--- a/_PowerPoints/2nd Semester/Unit 8 Stats [and  Probability]/Algebra4_Day_067 11.7 Standard Deviation.pptx
+++ b/_PowerPoints/2nd Semester/Unit 8 Stats [and  Probability]/Algebra4_Day_067 11.7 Standard Deviation.pptx
@@ -5,20 +5,21 @@
     <p:sldMasterId id="2147483648" r:id="rId1"/>
   </p:sldMasterIdLst>
   <p:handoutMasterIdLst>
-    <p:handoutMasterId r:id="rId13"/>
+    <p:handoutMasterId r:id="rId14"/>
   </p:handoutMasterIdLst>
   <p:sldIdLst>
     <p:sldId id="263" r:id="rId2"/>
-    <p:sldId id="319" r:id="rId3"/>
-    <p:sldId id="312" r:id="rId4"/>
-    <p:sldId id="320" r:id="rId5"/>
-    <p:sldId id="321" r:id="rId6"/>
+    <p:sldId id="328" r:id="rId3"/>
+    <p:sldId id="319" r:id="rId4"/>
+    <p:sldId id="312" r:id="rId5"/>
+    <p:sldId id="320" r:id="rId6"/>
     <p:sldId id="322" r:id="rId7"/>
-    <p:sldId id="323" r:id="rId8"/>
-    <p:sldId id="324" r:id="rId9"/>
-    <p:sldId id="326" r:id="rId10"/>
-    <p:sldId id="325" r:id="rId11"/>
-    <p:sldId id="327" r:id="rId12"/>
+    <p:sldId id="321" r:id="rId8"/>
+    <p:sldId id="323" r:id="rId9"/>
+    <p:sldId id="324" r:id="rId10"/>
+    <p:sldId id="326" r:id="rId11"/>
+    <p:sldId id="325" r:id="rId12"/>
+    <p:sldId id="327" r:id="rId13"/>
   </p:sldIdLst>
   <p:sldSz cx="12192000" cy="6858000"/>
   <p:notesSz cx="7010400" cy="9296400"/>
@@ -207,7 +208,7 @@
           <a:p>
             <a:fld id="{FAC4242D-6570-4D26-878C-5DE8AD62D39F}" type="datetimeFigureOut">
               <a:rPr lang="en-US" smtClean="0"/>
-              <a:t>4/3/2018</a:t>
+              <a:t>4/5/2018</a:t>
             </a:fld>
             <a:endParaRPr lang="en-US"/>
           </a:p>
@@ -460,7 +461,7 @@
             <a:fld id="{87DE6118-2437-4B30-8E3C-4D2BE6020583}" type="datetimeFigureOut">
               <a:rPr lang="en-US" dirty="0"/>
               <a:pPr/>
-              <a:t>4/3/2018</a:t>
+              <a:t>4/5/2018</a:t>
             </a:fld>
             <a:endParaRPr lang="en-US" dirty="0"/>
           </a:p>
@@ -786,7 +787,7 @@
           <a:p>
             <a:fld id="{87DE6118-2437-4B30-8E3C-4D2BE6020583}" type="datetimeFigureOut">
               <a:rPr lang="en-US" dirty="0"/>
-              <a:t>4/3/2018</a:t>
+              <a:t>4/5/2018</a:t>
             </a:fld>
             <a:endParaRPr lang="en-US" dirty="0"/>
           </a:p>
@@ -961,7 +962,7 @@
           <a:p>
             <a:fld id="{87DE6118-2437-4B30-8E3C-4D2BE6020583}" type="datetimeFigureOut">
               <a:rPr lang="en-US" dirty="0"/>
-              <a:t>4/3/2018</a:t>
+              <a:t>4/5/2018</a:t>
             </a:fld>
             <a:endParaRPr lang="en-US" dirty="0"/>
           </a:p>
@@ -1126,7 +1127,7 @@
           <a:p>
             <a:fld id="{87DE6118-2437-4B30-8E3C-4D2BE6020583}" type="datetimeFigureOut">
               <a:rPr lang="en-US" dirty="0"/>
-              <a:t>4/3/2018</a:t>
+              <a:t>4/5/2018</a:t>
             </a:fld>
             <a:endParaRPr lang="en-US" dirty="0"/>
           </a:p>
@@ -1399,7 +1400,7 @@
             <a:fld id="{87DE6118-2437-4B30-8E3C-4D2BE6020583}" type="datetimeFigureOut">
               <a:rPr lang="en-US" dirty="0"/>
               <a:pPr/>
-              <a:t>4/3/2018</a:t>
+              <a:t>4/5/2018</a:t>
             </a:fld>
             <a:endParaRPr lang="en-US" dirty="0"/>
           </a:p>
@@ -1789,7 +1790,7 @@
           <a:p>
             <a:fld id="{87DE6118-2437-4B30-8E3C-4D2BE6020583}" type="datetimeFigureOut">
               <a:rPr lang="en-US" dirty="0"/>
-              <a:t>4/3/2018</a:t>
+              <a:t>4/5/2018</a:t>
             </a:fld>
             <a:endParaRPr lang="en-US" dirty="0"/>
           </a:p>
@@ -2261,7 +2262,7 @@
           <a:p>
             <a:fld id="{87DE6118-2437-4B30-8E3C-4D2BE6020583}" type="datetimeFigureOut">
               <a:rPr lang="en-US" dirty="0"/>
-              <a:t>4/3/2018</a:t>
+              <a:t>4/5/2018</a:t>
             </a:fld>
             <a:endParaRPr lang="en-US" dirty="0"/>
           </a:p>
@@ -2374,7 +2375,7 @@
           <a:p>
             <a:fld id="{87DE6118-2437-4B30-8E3C-4D2BE6020583}" type="datetimeFigureOut">
               <a:rPr lang="en-US" dirty="0"/>
-              <a:t>4/3/2018</a:t>
+              <a:t>4/5/2018</a:t>
             </a:fld>
             <a:endParaRPr lang="en-US" dirty="0"/>
           </a:p>
@@ -2464,7 +2465,7 @@
           <a:p>
             <a:fld id="{87DE6118-2437-4B30-8E3C-4D2BE6020583}" type="datetimeFigureOut">
               <a:rPr lang="en-US" dirty="0"/>
-              <a:t>4/3/2018</a:t>
+              <a:t>4/5/2018</a:t>
             </a:fld>
             <a:endParaRPr lang="en-US" dirty="0"/>
           </a:p>
@@ -2806,7 +2807,7 @@
             <a:fld id="{87DE6118-2437-4B30-8E3C-4D2BE6020583}" type="datetimeFigureOut">
               <a:rPr lang="en-US" dirty="0"/>
               <a:pPr/>
-              <a:t>4/3/2018</a:t>
+              <a:t>4/5/2018</a:t>
             </a:fld>
             <a:endParaRPr lang="en-US" dirty="0"/>
           </a:p>
@@ -3191,7 +3192,7 @@
             <a:fld id="{87DE6118-2437-4B30-8E3C-4D2BE6020583}" type="datetimeFigureOut">
               <a:rPr lang="en-US" dirty="0"/>
               <a:pPr/>
-              <a:t>4/3/2018</a:t>
+              <a:t>4/5/2018</a:t>
             </a:fld>
             <a:endParaRPr lang="en-US" dirty="0"/>
           </a:p>
@@ -3466,7 +3467,7 @@
             <a:fld id="{87DE6118-2437-4B30-8E3C-4D2BE6020583}" type="datetimeFigureOut">
               <a:rPr lang="en-US" dirty="0"/>
               <a:pPr/>
-              <a:t>4/3/2018</a:t>
+              <a:t>4/5/2018</a:t>
             </a:fld>
             <a:endParaRPr lang="en-US" dirty="0"/>
           </a:p>
@@ -4084,6 +4085,216 @@
           <a:lstStyle/>
           <a:p>
             <a:r>
+              <a:rPr lang="en-US" dirty="0" smtClean="0"/>
+              <a:t>Compare the data:</a:t>
+            </a:r>
+            <a:endParaRPr lang="en-US" dirty="0"/>
+          </a:p>
+        </p:txBody>
+      </p:sp>
+      <p:sp>
+        <p:nvSpPr>
+          <p:cNvPr id="3" name="Content Placeholder 2"/>
+          <p:cNvSpPr>
+            <a:spLocks noGrp="1"/>
+          </p:cNvSpPr>
+          <p:nvPr>
+            <p:ph idx="1"/>
+          </p:nvPr>
+        </p:nvSpPr>
+        <p:spPr>
+          <a:xfrm>
+            <a:off x="1371600" y="2214796"/>
+            <a:ext cx="9601200" cy="4643203"/>
+          </a:xfrm>
+        </p:spPr>
+        <p:txBody>
+          <a:bodyPr>
+            <a:normAutofit lnSpcReduction="10000"/>
+          </a:bodyPr>
+          <a:lstStyle/>
+          <a:p>
+            <a:pPr marL="0" indent="0" algn="ctr">
+              <a:buNone/>
+            </a:pPr>
+            <a:r>
+              <a:rPr lang="en-US" sz="3900" b="1" dirty="0" smtClean="0"/>
+              <a:t>      </a:t>
+            </a:r>
+            <a:r>
+              <a:rPr lang="en-US" sz="3900" b="1" u="sng" dirty="0" smtClean="0"/>
+              <a:t>-</a:t>
+            </a:r>
+            <a:r>
+              <a:rPr lang="en-US" sz="3900" b="1" u="sng" dirty="0" smtClean="0"/>
+              <a:t>3SD		</a:t>
+            </a:r>
+            <a:r>
+              <a:rPr lang="en-US" sz="3900" b="1" u="sng" dirty="0" smtClean="0"/>
+              <a:t>        -</a:t>
+            </a:r>
+            <a:r>
+              <a:rPr lang="en-US" sz="3900" b="1" u="sng" dirty="0" smtClean="0"/>
+              <a:t>2SD	</a:t>
+            </a:r>
+            <a:r>
+              <a:rPr lang="en-US" sz="3900" b="1" u="sng" dirty="0" smtClean="0"/>
+              <a:t>        -</a:t>
+            </a:r>
+            <a:r>
+              <a:rPr lang="en-US" sz="3900" b="1" u="sng" dirty="0"/>
+              <a:t>1SD</a:t>
+            </a:r>
+            <a:r>
+              <a:rPr lang="en-US" sz="3900" dirty="0"/>
+              <a:t>		</a:t>
+            </a:r>
+            <a:r>
+              <a:rPr lang="en-US" sz="3900" dirty="0" smtClean="0"/>
+              <a:t>     </a:t>
+            </a:r>
+            <a:br>
+              <a:rPr lang="en-US" sz="3900" dirty="0" smtClean="0"/>
+            </a:br>
+            <a:r>
+              <a:rPr lang="en-US" sz="3900" dirty="0" smtClean="0"/>
+              <a:t>   </a:t>
+            </a:r>
+            <a:r>
+              <a:rPr lang="en-US" sz="3900" dirty="0" smtClean="0"/>
+              <a:t>   0.486</a:t>
+            </a:r>
+            <a:r>
+              <a:rPr lang="en-US" sz="3900" dirty="0" smtClean="0"/>
+              <a:t>		</a:t>
+            </a:r>
+            <a:r>
+              <a:rPr lang="en-US" sz="3900" dirty="0" smtClean="0"/>
+              <a:t>4.084</a:t>
+            </a:r>
+            <a:r>
+              <a:rPr lang="en-US" sz="3900" dirty="0" smtClean="0"/>
+              <a:t>		</a:t>
+            </a:r>
+            <a:r>
+              <a:rPr lang="en-US" sz="3900" dirty="0" smtClean="0"/>
+              <a:t>8.042</a:t>
+            </a:r>
+            <a:r>
+              <a:rPr lang="en-US" sz="3900" dirty="0"/>
+              <a:t>		  		</a:t>
+            </a:r>
+            <a:r>
+              <a:rPr lang="en-US" sz="3900" dirty="0" smtClean="0"/>
+              <a:t/>
+            </a:r>
+            <a:br>
+              <a:rPr lang="en-US" sz="3900" dirty="0" smtClean="0"/>
+            </a:br>
+            <a:r>
+              <a:rPr lang="en-US" sz="3900" b="1" dirty="0" smtClean="0"/>
+              <a:t>Mean</a:t>
+            </a:r>
+          </a:p>
+          <a:p>
+            <a:pPr marL="0" indent="0" algn="ctr">
+              <a:buNone/>
+            </a:pPr>
+            <a:r>
+              <a:rPr lang="en-US" sz="3900" b="1" dirty="0" smtClean="0"/>
+              <a:t>12</a:t>
+            </a:r>
+            <a:r>
+              <a:rPr lang="en-US" sz="3900" dirty="0" smtClean="0"/>
+              <a:t/>
+            </a:r>
+            <a:br>
+              <a:rPr lang="en-US" sz="3900" dirty="0" smtClean="0"/>
+            </a:br>
+            <a:r>
+              <a:rPr lang="en-US" sz="3900" b="1" dirty="0" smtClean="0"/>
+              <a:t/>
+            </a:r>
+            <a:br>
+              <a:rPr lang="en-US" sz="3900" b="1" dirty="0" smtClean="0"/>
+            </a:br>
+            <a:r>
+              <a:rPr lang="en-US" sz="3900" b="1" u="sng" dirty="0" smtClean="0"/>
+              <a:t>+</a:t>
+            </a:r>
+            <a:r>
+              <a:rPr lang="en-US" sz="3900" b="1" u="sng" dirty="0" smtClean="0"/>
+              <a:t>1SD		+2SD		+</a:t>
+            </a:r>
+            <a:r>
+              <a:rPr lang="en-US" sz="3900" b="1" u="sng" dirty="0"/>
+              <a:t>3SD</a:t>
+            </a:r>
+          </a:p>
+          <a:p>
+            <a:pPr marL="0" indent="0" algn="ctr">
+              <a:buNone/>
+            </a:pPr>
+            <a:r>
+              <a:rPr lang="en-US" sz="3900" dirty="0" smtClean="0"/>
+              <a:t>15.958		19.916		23.514</a:t>
+            </a:r>
+            <a:endParaRPr lang="en-US" sz="3900" dirty="0"/>
+          </a:p>
+          <a:p>
+            <a:pPr marL="0" indent="0">
+              <a:buNone/>
+            </a:pPr>
+            <a:endParaRPr lang="en-US" dirty="0"/>
+          </a:p>
+        </p:txBody>
+      </p:sp>
+    </p:spTree>
+    <p:extLst>
+      <p:ext uri="{BB962C8B-B14F-4D97-AF65-F5344CB8AC3E}">
+        <p14:creationId xmlns:p14="http://schemas.microsoft.com/office/powerpoint/2010/main" val="3475579512"/>
+      </p:ext>
+    </p:extLst>
+  </p:cSld>
+  <p:clrMapOvr>
+    <a:masterClrMapping/>
+  </p:clrMapOvr>
+</p:sld>
+</file>
+
+<file path=ppt/slides/slide11.xml><?xml version="1.0" encoding="utf-8"?>
+<p:sld xmlns:a="http://schemas.openxmlformats.org/drawingml/2006/main" xmlns:r="http://schemas.openxmlformats.org/officeDocument/2006/relationships" xmlns:p="http://schemas.openxmlformats.org/presentationml/2006/main">
+  <p:cSld>
+    <p:spTree>
+      <p:nvGrpSpPr>
+        <p:cNvPr id="1" name=""/>
+        <p:cNvGrpSpPr/>
+        <p:nvPr/>
+      </p:nvGrpSpPr>
+      <p:grpSpPr>
+        <a:xfrm>
+          <a:off x="0" y="0"/>
+          <a:ext cx="0" cy="0"/>
+          <a:chOff x="0" y="0"/>
+          <a:chExt cx="0" cy="0"/>
+        </a:xfrm>
+      </p:grpSpPr>
+      <p:sp>
+        <p:nvSpPr>
+          <p:cNvPr id="2" name="Title 1"/>
+          <p:cNvSpPr>
+            <a:spLocks noGrp="1"/>
+          </p:cNvSpPr>
+          <p:nvPr>
+            <p:ph type="title"/>
+          </p:nvPr>
+        </p:nvSpPr>
+        <p:spPr/>
+        <p:txBody>
+          <a:bodyPr/>
+          <a:lstStyle/>
+          <a:p>
+            <a:r>
               <a:rPr lang="en-US" dirty="0"/>
               <a:t>What does this all mean?!</a:t>
             </a:r>
@@ -4154,7 +4365,7 @@
 </p:sld>
 </file>
 
-<file path=ppt/slides/slide11.xml><?xml version="1.0" encoding="utf-8"?>
+<file path=ppt/slides/slide12.xml><?xml version="1.0" encoding="utf-8"?>
 <p:sld xmlns:a="http://schemas.openxmlformats.org/drawingml/2006/main" xmlns:r="http://schemas.openxmlformats.org/officeDocument/2006/relationships" xmlns:p="http://schemas.openxmlformats.org/presentationml/2006/main">
   <p:cSld>
     <p:spTree>
@@ -4277,7 +4488,7 @@
           <a:p>
             <a:r>
               <a:rPr lang="en-US" dirty="0" smtClean="0"/>
-              <a:t>From Last Time</a:t>
+              <a:t>Bell Work</a:t>
             </a:r>
             <a:endParaRPr lang="en-US" dirty="0"/>
           </a:p>
@@ -4295,32 +4506,29 @@
         </p:nvSpPr>
         <p:spPr/>
         <p:txBody>
-          <a:bodyPr/>
+          <a:bodyPr>
+            <a:normAutofit/>
+          </a:bodyPr>
           <a:lstStyle/>
           <a:p>
-            <a:pPr marL="0" indent="0">
-              <a:buNone/>
-            </a:pPr>
-            <a:r>
-              <a:rPr lang="en-US" sz="3000" b="1" smtClean="0"/>
-              <a:t>Page </a:t>
-            </a:r>
-            <a:r>
-              <a:rPr lang="en-US" sz="3000" b="1"/>
-              <a:t>715 #</a:t>
-            </a:r>
-            <a:r>
-              <a:rPr lang="en-US" sz="3000" b="1" smtClean="0"/>
-              <a:t>1-3, 5-9, 11-13</a:t>
-            </a:r>
-            <a:endParaRPr lang="en-US"/>
+            <a:r>
+              <a:rPr lang="en-US" sz="3000" dirty="0" smtClean="0"/>
+              <a:t>Why does an outlier impact the mean more than any other of the measures of central tendency (median/mode)? </a:t>
+            </a:r>
+          </a:p>
+          <a:p>
+            <a:r>
+              <a:rPr lang="en-US" sz="3000" dirty="0" smtClean="0"/>
+              <a:t>What can we do in real life situations to avoid this impact? </a:t>
+            </a:r>
+            <a:endParaRPr lang="en-US" sz="3000" dirty="0"/>
           </a:p>
         </p:txBody>
       </p:sp>
     </p:spTree>
     <p:extLst>
       <p:ext uri="{BB962C8B-B14F-4D97-AF65-F5344CB8AC3E}">
-        <p14:creationId xmlns:p14="http://schemas.microsoft.com/office/powerpoint/2010/main" val="1384895536"/>
+        <p14:creationId xmlns:p14="http://schemas.microsoft.com/office/powerpoint/2010/main" val="380503133"/>
       </p:ext>
     </p:extLst>
   </p:cSld>
@@ -4370,8 +4578,8 @@
           <a:lstStyle/>
           <a:p>
             <a:r>
-              <a:rPr lang="en-US" b="1" u="sng" dirty="0"/>
-              <a:t>11.7 Standard Deviation</a:t>
+              <a:rPr lang="en-US" dirty="0" smtClean="0"/>
+              <a:t>From Last Time</a:t>
             </a:r>
             <a:endParaRPr lang="en-US" dirty="0"/>
           </a:p>
@@ -4387,56 +4595,34 @@
             <p:ph idx="1"/>
           </p:nvPr>
         </p:nvSpPr>
-        <p:spPr>
-          <a:xfrm>
-            <a:off x="1371599" y="2286000"/>
-            <a:ext cx="10620531" cy="3581400"/>
-          </a:xfrm>
-        </p:spPr>
-        <p:txBody>
-          <a:bodyPr>
-            <a:normAutofit/>
-          </a:bodyPr>
+        <p:spPr/>
+        <p:txBody>
+          <a:bodyPr/>
           <a:lstStyle/>
           <a:p>
             <a:pPr marL="0" indent="0">
               <a:buNone/>
             </a:pPr>
             <a:r>
-              <a:rPr lang="en-US" sz="3200" dirty="0"/>
-              <a:t>Objective: To </a:t>
-            </a:r>
-            <a:r>
-              <a:rPr lang="en-US" sz="3200" dirty="0" smtClean="0"/>
-              <a:t>find and apply </a:t>
-            </a:r>
-            <a:r>
-              <a:rPr lang="en-US" sz="3200" dirty="0"/>
-              <a:t>the standard deviation and variance of a set of values</a:t>
-            </a:r>
-          </a:p>
-          <a:p>
-            <a:pPr marL="0" indent="0">
-              <a:buNone/>
-            </a:pPr>
-            <a:r>
-              <a:rPr lang="en-US" sz="3200" dirty="0"/>
-              <a:t/>
-            </a:r>
-            <a:br>
-              <a:rPr lang="en-US" sz="3200" dirty="0"/>
-            </a:br>
-            <a:endParaRPr lang="en-US" sz="3000" dirty="0"/>
-          </a:p>
-          <a:p>
-            <a:endParaRPr lang="en-US" dirty="0"/>
+              <a:rPr lang="en-US" sz="3000" b="1" smtClean="0"/>
+              <a:t>Page </a:t>
+            </a:r>
+            <a:r>
+              <a:rPr lang="en-US" sz="3000" b="1"/>
+              <a:t>715 #</a:t>
+            </a:r>
+            <a:r>
+              <a:rPr lang="en-US" sz="3000" b="1" smtClean="0"/>
+              <a:t>1-3, 5-9, 11-13</a:t>
+            </a:r>
+            <a:endParaRPr lang="en-US"/>
           </a:p>
         </p:txBody>
       </p:sp>
     </p:spTree>
     <p:extLst>
       <p:ext uri="{BB962C8B-B14F-4D97-AF65-F5344CB8AC3E}">
-        <p14:creationId xmlns:p14="http://schemas.microsoft.com/office/powerpoint/2010/main" val="497181451"/>
+        <p14:creationId xmlns:p14="http://schemas.microsoft.com/office/powerpoint/2010/main" val="1384895536"/>
       </p:ext>
     </p:extLst>
   </p:cSld>
@@ -4470,8 +4656,124 @@
           <a:chExt cx="0" cy="0"/>
         </a:xfrm>
       </p:grpSpPr>
-      <mc:AlternateContent xmlns:mc="http://schemas.openxmlformats.org/markup-compatibility/2006">
-        <mc:Choice xmlns:a14="http://schemas.microsoft.com/office/drawing/2010/main" Requires="a14">
+      <p:sp>
+        <p:nvSpPr>
+          <p:cNvPr id="2" name="Title 1"/>
+          <p:cNvSpPr>
+            <a:spLocks noGrp="1"/>
+          </p:cNvSpPr>
+          <p:nvPr>
+            <p:ph type="title"/>
+          </p:nvPr>
+        </p:nvSpPr>
+        <p:spPr/>
+        <p:txBody>
+          <a:bodyPr/>
+          <a:lstStyle/>
+          <a:p>
+            <a:r>
+              <a:rPr lang="en-US" b="1" u="sng" dirty="0"/>
+              <a:t>11.7 Standard Deviation</a:t>
+            </a:r>
+            <a:endParaRPr lang="en-US" dirty="0"/>
+          </a:p>
+        </p:txBody>
+      </p:sp>
+      <p:sp>
+        <p:nvSpPr>
+          <p:cNvPr id="3" name="Content Placeholder 2"/>
+          <p:cNvSpPr>
+            <a:spLocks noGrp="1"/>
+          </p:cNvSpPr>
+          <p:nvPr>
+            <p:ph idx="1"/>
+          </p:nvPr>
+        </p:nvSpPr>
+        <p:spPr>
+          <a:xfrm>
+            <a:off x="1371599" y="2286000"/>
+            <a:ext cx="10620531" cy="3581400"/>
+          </a:xfrm>
+        </p:spPr>
+        <p:txBody>
+          <a:bodyPr>
+            <a:normAutofit/>
+          </a:bodyPr>
+          <a:lstStyle/>
+          <a:p>
+            <a:pPr marL="0" indent="0">
+              <a:buNone/>
+            </a:pPr>
+            <a:r>
+              <a:rPr lang="en-US" sz="3200" dirty="0"/>
+              <a:t>Objective: To </a:t>
+            </a:r>
+            <a:r>
+              <a:rPr lang="en-US" sz="3200" dirty="0" smtClean="0"/>
+              <a:t>find and apply </a:t>
+            </a:r>
+            <a:r>
+              <a:rPr lang="en-US" sz="3200" dirty="0"/>
+              <a:t>the standard deviation and variance of a set of values</a:t>
+            </a:r>
+          </a:p>
+          <a:p>
+            <a:pPr marL="0" indent="0">
+              <a:buNone/>
+            </a:pPr>
+            <a:r>
+              <a:rPr lang="en-US" sz="3200" dirty="0"/>
+              <a:t/>
+            </a:r>
+            <a:br>
+              <a:rPr lang="en-US" sz="3200" dirty="0"/>
+            </a:br>
+            <a:endParaRPr lang="en-US" sz="3000" dirty="0"/>
+          </a:p>
+          <a:p>
+            <a:endParaRPr lang="en-US" dirty="0"/>
+          </a:p>
+        </p:txBody>
+      </p:sp>
+    </p:spTree>
+    <p:extLst>
+      <p:ext uri="{BB962C8B-B14F-4D97-AF65-F5344CB8AC3E}">
+        <p14:creationId xmlns:p14="http://schemas.microsoft.com/office/powerpoint/2010/main" val="497181451"/>
+      </p:ext>
+    </p:extLst>
+  </p:cSld>
+  <p:clrMapOvr>
+    <a:masterClrMapping/>
+  </p:clrMapOvr>
+  <p:timing>
+    <p:tnLst>
+      <p:par>
+        <p:cTn id="1" dur="indefinite" restart="never" nodeType="tmRoot"/>
+      </p:par>
+    </p:tnLst>
+  </p:timing>
+</p:sld>
+</file>
+
+<file path=ppt/slides/slide5.xml><?xml version="1.0" encoding="utf-8"?>
+<p:sld xmlns:a="http://schemas.openxmlformats.org/drawingml/2006/main" xmlns:r="http://schemas.openxmlformats.org/officeDocument/2006/relationships" xmlns:p="http://schemas.openxmlformats.org/presentationml/2006/main">
+  <p:cSld>
+    <p:spTree>
+      <p:nvGrpSpPr>
+        <p:cNvPr id="1" name=""/>
+        <p:cNvGrpSpPr/>
+        <p:nvPr/>
+      </p:nvGrpSpPr>
+      <p:grpSpPr>
+        <a:xfrm>
+          <a:off x="0" y="0"/>
+          <a:ext cx="0" cy="0"/>
+          <a:chOff x="0" y="0"/>
+          <a:chExt cx="0" cy="0"/>
+        </a:xfrm>
+      </p:grpSpPr>
+      <mc:AlternateContent xmlns:mc="http://schemas.openxmlformats.org/markup-compatibility/2006" xmlns:a14="http://schemas.microsoft.com/office/drawing/2010/main">
+        <mc:Choice Requires="a14">
           <p:sp>
             <p:nvSpPr>
               <p:cNvPr id="3" name="Content Placeholder 2"/>
@@ -4524,23 +4826,33 @@
                 <a14:m>
                   <m:oMath xmlns:m="http://schemas.openxmlformats.org/officeDocument/2006/math">
                     <m:r>
-                      <a:rPr lang="en-US" sz="3000" b="1" i="1"/>
+                      <a:rPr lang="en-US" sz="3000" b="1" i="1">
+                        <a:latin typeface="Cambria Math" panose="02040503050406030204" pitchFamily="18" charset="0"/>
+                      </a:rPr>
                       <m:t>  </m:t>
                     </m:r>
                     <m:r>
-                      <a:rPr lang="en-US" sz="3000" b="1" i="1"/>
+                      <a:rPr lang="en-US" sz="3000" b="1" i="1">
+                        <a:latin typeface="Cambria Math" panose="02040503050406030204" pitchFamily="18" charset="0"/>
+                      </a:rPr>
                       <m:t>𝝈</m:t>
                     </m:r>
                     <m:r>
-                      <a:rPr lang="en-US" sz="3000" b="1" i="1"/>
+                      <a:rPr lang="en-US" sz="3000" b="1" i="1">
+                        <a:latin typeface="Cambria Math" panose="02040503050406030204" pitchFamily="18" charset="0"/>
+                      </a:rPr>
                       <m:t> (</m:t>
                     </m:r>
                     <m:r>
-                      <a:rPr lang="en-US" sz="3000" b="1" i="1"/>
+                      <a:rPr lang="en-US" sz="3000" b="1" i="1">
+                        <a:latin typeface="Cambria Math" panose="02040503050406030204" pitchFamily="18" charset="0"/>
+                      </a:rPr>
                       <m:t>𝒔𝒊𝒈𝒎𝒂</m:t>
                     </m:r>
                     <m:r>
-                      <a:rPr lang="en-US" sz="3000" b="1" i="1"/>
+                      <a:rPr lang="en-US" sz="3000" b="1" i="1">
+                        <a:latin typeface="Cambria Math" panose="02040503050406030204" pitchFamily="18" charset="0"/>
+                      </a:rPr>
                       <m:t>)</m:t>
                     </m:r>
                   </m:oMath>
@@ -4572,40 +4884,56 @@
                     <m:sSup>
                       <m:sSupPr>
                         <m:ctrlPr>
-                          <a:rPr lang="en-US" sz="3000" b="1" i="1"/>
+                          <a:rPr lang="en-US" sz="3000" b="1" i="1">
+                            <a:latin typeface="Cambria Math" panose="02040503050406030204" pitchFamily="18" charset="0"/>
+                          </a:rPr>
                         </m:ctrlPr>
                       </m:sSupPr>
                       <m:e>
                         <m:r>
-                          <a:rPr lang="en-US" sz="3000" b="1" i="1"/>
+                          <a:rPr lang="en-US" sz="3000" b="1" i="1">
+                            <a:latin typeface="Cambria Math" panose="02040503050406030204" pitchFamily="18" charset="0"/>
+                          </a:rPr>
                           <m:t>𝝈</m:t>
                         </m:r>
                       </m:e>
                       <m:sup>
                         <m:r>
-                          <a:rPr lang="en-US" sz="3000" b="1" i="1"/>
+                          <a:rPr lang="en-US" sz="3000" b="1" i="1">
+                            <a:latin typeface="Cambria Math" panose="02040503050406030204" pitchFamily="18" charset="0"/>
+                          </a:rPr>
                           <m:t>𝟐</m:t>
                         </m:r>
                       </m:sup>
                     </m:sSup>
                     <m:r>
-                      <a:rPr lang="en-US" sz="3000" b="1" i="1"/>
+                      <a:rPr lang="en-US" sz="3000" b="1" i="1">
+                        <a:latin typeface="Cambria Math" panose="02040503050406030204" pitchFamily="18" charset="0"/>
+                      </a:rPr>
                       <m:t> (</m:t>
                     </m:r>
                     <m:r>
-                      <a:rPr lang="en-US" sz="3000" b="1" i="1"/>
+                      <a:rPr lang="en-US" sz="3000" b="1" i="1">
+                        <a:latin typeface="Cambria Math" panose="02040503050406030204" pitchFamily="18" charset="0"/>
+                      </a:rPr>
                       <m:t>𝒔𝒊𝒈𝒎𝒂</m:t>
                     </m:r>
                     <m:r>
-                      <a:rPr lang="en-US" sz="3000" b="1" i="1"/>
+                      <a:rPr lang="en-US" sz="3000" b="1" i="1">
+                        <a:latin typeface="Cambria Math" panose="02040503050406030204" pitchFamily="18" charset="0"/>
+                      </a:rPr>
                       <m:t> </m:t>
                     </m:r>
                     <m:r>
-                      <a:rPr lang="en-US" sz="3000" b="1" i="1"/>
+                      <a:rPr lang="en-US" sz="3000" b="1" i="1">
+                        <a:latin typeface="Cambria Math" panose="02040503050406030204" pitchFamily="18" charset="0"/>
+                      </a:rPr>
                       <m:t>𝒔𝒒𝒖𝒂𝒓𝒆𝒅</m:t>
                     </m:r>
                     <m:r>
-                      <a:rPr lang="en-US" sz="3000" b="1" i="1"/>
+                      <a:rPr lang="en-US" sz="3000" b="1" i="1">
+                        <a:latin typeface="Cambria Math" panose="02040503050406030204" pitchFamily="18" charset="0"/>
+                      </a:rPr>
                       <m:t>)</m:t>
                     </m:r>
                   </m:oMath>
@@ -4637,7 +4965,7 @@
             </p:txBody>
           </p:sp>
         </mc:Choice>
-        <mc:Fallback>
+        <mc:Fallback xmlns="">
           <p:sp>
             <p:nvSpPr>
               <p:cNvPr id="3" name="Content Placeholder 2"/>
@@ -4685,10 +5013,17 @@
   <p:clrMapOvr>
     <a:masterClrMapping/>
   </p:clrMapOvr>
+  <p:timing>
+    <p:tnLst>
+      <p:par>
+        <p:cTn id="1" dur="indefinite" restart="never" nodeType="tmRoot"/>
+      </p:par>
+    </p:tnLst>
+  </p:timing>
 </p:sld>
 </file>
 
-<file path=ppt/slides/slide5.xml><?xml version="1.0" encoding="utf-8"?>
+<file path=ppt/slides/slide6.xml><?xml version="1.0" encoding="utf-8"?>
 <p:sld xmlns:a="http://schemas.openxmlformats.org/drawingml/2006/main" xmlns:r="http://schemas.openxmlformats.org/officeDocument/2006/relationships" xmlns:p="http://schemas.openxmlformats.org/presentationml/2006/main">
   <p:cSld>
     <p:spTree>
@@ -4716,6 +5051,418 @@
           </p:nvPr>
         </p:nvSpPr>
         <p:spPr/>
+        <p:txBody>
+          <a:bodyPr/>
+          <a:lstStyle/>
+          <a:p>
+            <a:r>
+              <a:rPr lang="en-US" dirty="0" smtClean="0"/>
+              <a:t>Formulas</a:t>
+            </a:r>
+            <a:endParaRPr lang="en-US" dirty="0"/>
+          </a:p>
+        </p:txBody>
+      </p:sp>
+      <mc:AlternateContent xmlns:mc="http://schemas.openxmlformats.org/markup-compatibility/2006" xmlns:a14="http://schemas.microsoft.com/office/drawing/2010/main">
+        <mc:Choice Requires="a14">
+          <p:sp>
+            <p:nvSpPr>
+              <p:cNvPr id="3" name="Content Placeholder 2"/>
+              <p:cNvSpPr>
+                <a:spLocks noGrp="1"/>
+              </p:cNvSpPr>
+              <p:nvPr>
+                <p:ph idx="1"/>
+              </p:nvPr>
+            </p:nvSpPr>
+            <p:spPr/>
+            <p:txBody>
+              <a:bodyPr/>
+              <a:lstStyle/>
+              <a:p>
+                <a:pPr marL="0" indent="0">
+                  <a:buNone/>
+                </a:pPr>
+                <a:r>
+                  <a:rPr lang="en-US" sz="4000" b="1" dirty="0" smtClean="0"/>
+                  <a:t>Variance: </a:t>
+                </a:r>
+                <a14:m>
+                  <m:oMath xmlns:m="http://schemas.openxmlformats.org/officeDocument/2006/math">
+                    <m:sSup>
+                      <m:sSupPr>
+                        <m:ctrlPr>
+                          <a:rPr lang="en-US" sz="4000" b="1" i="1">
+                            <a:latin typeface="Cambria Math" panose="02040503050406030204" pitchFamily="18" charset="0"/>
+                          </a:rPr>
+                        </m:ctrlPr>
+                      </m:sSupPr>
+                      <m:e>
+                        <m:r>
+                          <a:rPr lang="en-US" sz="4000" b="1" i="1">
+                            <a:latin typeface="Cambria Math" panose="02040503050406030204" pitchFamily="18" charset="0"/>
+                          </a:rPr>
+                          <m:t>𝝈</m:t>
+                        </m:r>
+                      </m:e>
+                      <m:sup>
+                        <m:r>
+                          <a:rPr lang="en-US" sz="4000" b="1" i="1">
+                            <a:latin typeface="Cambria Math" panose="02040503050406030204" pitchFamily="18" charset="0"/>
+                          </a:rPr>
+                          <m:t>𝟐</m:t>
+                        </m:r>
+                      </m:sup>
+                    </m:sSup>
+                    <m:r>
+                      <a:rPr lang="en-US" sz="4000" b="1" i="1">
+                        <a:latin typeface="Cambria Math" panose="02040503050406030204" pitchFamily="18" charset="0"/>
+                      </a:rPr>
+                      <m:t>=</m:t>
+                    </m:r>
+                    <m:f>
+                      <m:fPr>
+                        <m:ctrlPr>
+                          <a:rPr lang="en-US" sz="4000" b="1" i="1">
+                            <a:latin typeface="Cambria Math" panose="02040503050406030204" pitchFamily="18" charset="0"/>
+                          </a:rPr>
+                        </m:ctrlPr>
+                      </m:fPr>
+                      <m:num>
+                        <m:nary>
+                          <m:naryPr>
+                            <m:chr m:val="∑"/>
+                            <m:limLoc m:val="undOvr"/>
+                            <m:subHide m:val="on"/>
+                            <m:supHide m:val="on"/>
+                            <m:ctrlPr>
+                              <a:rPr lang="en-US" sz="4000" b="1" i="1">
+                                <a:latin typeface="Cambria Math" panose="02040503050406030204" pitchFamily="18" charset="0"/>
+                              </a:rPr>
+                            </m:ctrlPr>
+                          </m:naryPr>
+                          <m:sub/>
+                          <m:sup/>
+                          <m:e>
+                            <m:sSup>
+                              <m:sSupPr>
+                                <m:ctrlPr>
+                                  <a:rPr lang="en-US" sz="4000" b="1" i="1">
+                                    <a:latin typeface="Cambria Math" panose="02040503050406030204" pitchFamily="18" charset="0"/>
+                                  </a:rPr>
+                                </m:ctrlPr>
+                              </m:sSupPr>
+                              <m:e>
+                                <m:r>
+                                  <a:rPr lang="en-US" sz="4000" b="1" i="1">
+                                    <a:latin typeface="Cambria Math" panose="02040503050406030204" pitchFamily="18" charset="0"/>
+                                  </a:rPr>
+                                  <m:t>(</m:t>
+                                </m:r>
+                                <m:r>
+                                  <a:rPr lang="en-US" sz="4000" i="1">
+                                    <a:latin typeface="Cambria Math" panose="02040503050406030204" pitchFamily="18" charset="0"/>
+                                  </a:rPr>
+                                  <m:t>𝑥</m:t>
+                                </m:r>
+                                <m:r>
+                                  <a:rPr lang="en-US" sz="4000" b="0" i="1" smtClean="0">
+                                    <a:latin typeface="Cambria Math" panose="02040503050406030204" pitchFamily="18" charset="0"/>
+                                  </a:rPr>
+                                  <m:t>−</m:t>
+                                </m:r>
+                                <m:acc>
+                                  <m:accPr>
+                                    <m:chr m:val="̅"/>
+                                    <m:ctrlPr>
+                                      <a:rPr lang="en-US" sz="4000" i="1">
+                                        <a:latin typeface="Cambria Math" panose="02040503050406030204" pitchFamily="18" charset="0"/>
+                                      </a:rPr>
+                                    </m:ctrlPr>
+                                  </m:accPr>
+                                  <m:e>
+                                    <m:r>
+                                      <a:rPr lang="en-US" sz="4000" i="1">
+                                        <a:latin typeface="Cambria Math" panose="02040503050406030204" pitchFamily="18" charset="0"/>
+                                      </a:rPr>
+                                      <m:t>𝑥</m:t>
+                                    </m:r>
+                                  </m:e>
+                                </m:acc>
+                                <m:r>
+                                  <a:rPr lang="en-US" sz="4000" i="1">
+                                    <a:latin typeface="Cambria Math" panose="02040503050406030204" pitchFamily="18" charset="0"/>
+                                  </a:rPr>
+                                  <m:t>)</m:t>
+                                </m:r>
+                              </m:e>
+                              <m:sup>
+                                <m:r>
+                                  <a:rPr lang="en-US" sz="4000" b="1" i="1">
+                                    <a:latin typeface="Cambria Math" panose="02040503050406030204" pitchFamily="18" charset="0"/>
+                                  </a:rPr>
+                                  <m:t>𝟐</m:t>
+                                </m:r>
+                              </m:sup>
+                            </m:sSup>
+                          </m:e>
+                        </m:nary>
+                      </m:num>
+                      <m:den>
+                        <m:r>
+                          <a:rPr lang="en-US" sz="4000" b="1" i="1">
+                            <a:latin typeface="Cambria Math" panose="02040503050406030204" pitchFamily="18" charset="0"/>
+                          </a:rPr>
+                          <m:t>𝒏</m:t>
+                        </m:r>
+                      </m:den>
+                    </m:f>
+                  </m:oMath>
+                </a14:m>
+                <a:endParaRPr lang="en-US" sz="4000" dirty="0"/>
+              </a:p>
+              <a:p>
+                <a:pPr marL="0" indent="0">
+                  <a:buNone/>
+                </a:pPr>
+                <a:r>
+                  <a:rPr lang="en-US" sz="4000" b="1" dirty="0"/>
+                  <a:t> </a:t>
+                </a:r>
+                <a:endParaRPr lang="en-US" sz="4000" dirty="0"/>
+              </a:p>
+              <a:p>
+                <a:pPr marL="0" indent="0">
+                  <a:buNone/>
+                </a:pPr>
+                <a:r>
+                  <a:rPr lang="en-US" sz="4000" b="1" dirty="0"/>
+                  <a:t>Standard Deviation: </a:t>
+                </a:r>
+                <a14:m>
+                  <m:oMath xmlns:m="http://schemas.openxmlformats.org/officeDocument/2006/math">
+                    <m:r>
+                      <a:rPr lang="en-US" sz="4000" b="1" i="1">
+                        <a:latin typeface="Cambria Math" panose="02040503050406030204" pitchFamily="18" charset="0"/>
+                      </a:rPr>
+                      <m:t>𝝈</m:t>
+                    </m:r>
+                    <m:r>
+                      <a:rPr lang="en-US" sz="4000" b="1" i="1">
+                        <a:latin typeface="Cambria Math" panose="02040503050406030204" pitchFamily="18" charset="0"/>
+                      </a:rPr>
+                      <m:t>=</m:t>
+                    </m:r>
+                    <m:rad>
+                      <m:radPr>
+                        <m:degHide m:val="on"/>
+                        <m:ctrlPr>
+                          <a:rPr lang="en-US" sz="4000" b="1" i="1">
+                            <a:latin typeface="Cambria Math" panose="02040503050406030204" pitchFamily="18" charset="0"/>
+                          </a:rPr>
+                        </m:ctrlPr>
+                      </m:radPr>
+                      <m:deg/>
+                      <m:e>
+                        <m:f>
+                          <m:fPr>
+                            <m:ctrlPr>
+                              <a:rPr lang="en-US" sz="4000" b="1" i="1">
+                                <a:latin typeface="Cambria Math" panose="02040503050406030204" pitchFamily="18" charset="0"/>
+                              </a:rPr>
+                            </m:ctrlPr>
+                          </m:fPr>
+                          <m:num>
+                            <m:nary>
+                              <m:naryPr>
+                                <m:chr m:val="∑"/>
+                                <m:limLoc m:val="undOvr"/>
+                                <m:subHide m:val="on"/>
+                                <m:supHide m:val="on"/>
+                                <m:ctrlPr>
+                                  <a:rPr lang="en-US" sz="4000" b="1" i="1">
+                                    <a:latin typeface="Cambria Math" panose="02040503050406030204" pitchFamily="18" charset="0"/>
+                                  </a:rPr>
+                                </m:ctrlPr>
+                              </m:naryPr>
+                              <m:sub/>
+                              <m:sup/>
+                              <m:e>
+                                <m:sSup>
+                                  <m:sSupPr>
+                                    <m:ctrlPr>
+                                      <a:rPr lang="en-US" sz="4000" b="1" i="1">
+                                        <a:latin typeface="Cambria Math" panose="02040503050406030204" pitchFamily="18" charset="0"/>
+                                      </a:rPr>
+                                    </m:ctrlPr>
+                                  </m:sSupPr>
+                                  <m:e>
+                                    <m:r>
+                                      <a:rPr lang="en-US" sz="4000" b="1" i="1">
+                                        <a:latin typeface="Cambria Math" panose="02040503050406030204" pitchFamily="18" charset="0"/>
+                                      </a:rPr>
+                                      <m:t>(</m:t>
+                                    </m:r>
+                                    <m:r>
+                                      <a:rPr lang="en-US" sz="4000" i="1">
+                                        <a:latin typeface="Cambria Math" panose="02040503050406030204" pitchFamily="18" charset="0"/>
+                                      </a:rPr>
+                                      <m:t>𝑥</m:t>
+                                    </m:r>
+                                    <m:r>
+                                      <a:rPr lang="en-US" sz="4000" b="0" i="1" smtClean="0">
+                                        <a:latin typeface="Cambria Math" panose="02040503050406030204" pitchFamily="18" charset="0"/>
+                                      </a:rPr>
+                                      <m:t>−</m:t>
+                                    </m:r>
+                                    <m:acc>
+                                      <m:accPr>
+                                        <m:chr m:val="̅"/>
+                                        <m:ctrlPr>
+                                          <a:rPr lang="en-US" sz="4000" i="1">
+                                            <a:latin typeface="Cambria Math" panose="02040503050406030204" pitchFamily="18" charset="0"/>
+                                          </a:rPr>
+                                        </m:ctrlPr>
+                                      </m:accPr>
+                                      <m:e>
+                                        <m:r>
+                                          <a:rPr lang="en-US" sz="4000" i="1">
+                                            <a:latin typeface="Cambria Math" panose="02040503050406030204" pitchFamily="18" charset="0"/>
+                                          </a:rPr>
+                                          <m:t>𝑥</m:t>
+                                        </m:r>
+                                      </m:e>
+                                    </m:acc>
+                                    <m:r>
+                                      <a:rPr lang="en-US" sz="4000" i="1">
+                                        <a:latin typeface="Cambria Math" panose="02040503050406030204" pitchFamily="18" charset="0"/>
+                                      </a:rPr>
+                                      <m:t>)</m:t>
+                                    </m:r>
+                                  </m:e>
+                                  <m:sup>
+                                    <m:r>
+                                      <a:rPr lang="en-US" sz="4000" b="1" i="1">
+                                        <a:latin typeface="Cambria Math" panose="02040503050406030204" pitchFamily="18" charset="0"/>
+                                      </a:rPr>
+                                      <m:t>𝟐</m:t>
+                                    </m:r>
+                                  </m:sup>
+                                </m:sSup>
+                              </m:e>
+                            </m:nary>
+                          </m:num>
+                          <m:den>
+                            <m:r>
+                              <a:rPr lang="en-US" sz="4000" b="1" i="1" smtClean="0">
+                                <a:latin typeface="Cambria Math" panose="02040503050406030204" pitchFamily="18" charset="0"/>
+                              </a:rPr>
+                              <m:t>𝒏</m:t>
+                            </m:r>
+                          </m:den>
+                        </m:f>
+                      </m:e>
+                    </m:rad>
+                  </m:oMath>
+                </a14:m>
+                <a:endParaRPr lang="en-US" sz="4000" dirty="0"/>
+              </a:p>
+              <a:p>
+                <a:pPr marL="0" indent="0">
+                  <a:buNone/>
+                </a:pPr>
+                <a:endParaRPr lang="en-US" dirty="0"/>
+              </a:p>
+            </p:txBody>
+          </p:sp>
+        </mc:Choice>
+        <mc:Fallback xmlns="">
+          <p:sp>
+            <p:nvSpPr>
+              <p:cNvPr id="3" name="Content Placeholder 2"/>
+              <p:cNvSpPr>
+                <a:spLocks noGrp="1" noRot="1" noChangeAspect="1" noMove="1" noResize="1" noEditPoints="1" noAdjustHandles="1" noChangeArrowheads="1" noChangeShapeType="1" noTextEdit="1"/>
+              </p:cNvSpPr>
+              <p:nvPr>
+                <p:ph idx="1"/>
+              </p:nvPr>
+            </p:nvSpPr>
+            <p:spPr>
+              <a:blipFill rotWithShape="0">
+                <a:blip r:embed="rId2"/>
+                <a:stretch>
+                  <a:fillRect l="-2222"/>
+                </a:stretch>
+              </a:blipFill>
+            </p:spPr>
+            <p:txBody>
+              <a:bodyPr/>
+              <a:lstStyle/>
+              <a:p>
+                <a:r>
+                  <a:rPr lang="en-US">
+                    <a:noFill/>
+                  </a:rPr>
+                  <a:t> </a:t>
+                </a:r>
+              </a:p>
+            </p:txBody>
+          </p:sp>
+        </mc:Fallback>
+      </mc:AlternateContent>
+    </p:spTree>
+    <p:extLst>
+      <p:ext uri="{BB962C8B-B14F-4D97-AF65-F5344CB8AC3E}">
+        <p14:creationId xmlns:p14="http://schemas.microsoft.com/office/powerpoint/2010/main" val="3904755225"/>
+      </p:ext>
+    </p:extLst>
+  </p:cSld>
+  <p:clrMapOvr>
+    <a:masterClrMapping/>
+  </p:clrMapOvr>
+  <p:timing>
+    <p:tnLst>
+      <p:par>
+        <p:cTn id="1" dur="indefinite" restart="never" nodeType="tmRoot"/>
+      </p:par>
+    </p:tnLst>
+  </p:timing>
+</p:sld>
+</file>
+
+<file path=ppt/slides/slide7.xml><?xml version="1.0" encoding="utf-8"?>
+<p:sld xmlns:a="http://schemas.openxmlformats.org/drawingml/2006/main" xmlns:r="http://schemas.openxmlformats.org/officeDocument/2006/relationships" xmlns:p="http://schemas.openxmlformats.org/presentationml/2006/main">
+  <p:cSld>
+    <p:spTree>
+      <p:nvGrpSpPr>
+        <p:cNvPr id="1" name=""/>
+        <p:cNvGrpSpPr/>
+        <p:nvPr/>
+      </p:nvGrpSpPr>
+      <p:grpSpPr>
+        <a:xfrm>
+          <a:off x="0" y="0"/>
+          <a:ext cx="0" cy="0"/>
+          <a:chOff x="0" y="0"/>
+          <a:chExt cx="0" cy="0"/>
+        </a:xfrm>
+      </p:grpSpPr>
+      <p:sp>
+        <p:nvSpPr>
+          <p:cNvPr id="2" name="Title 1"/>
+          <p:cNvSpPr>
+            <a:spLocks noGrp="1"/>
+          </p:cNvSpPr>
+          <p:nvPr>
+            <p:ph type="title"/>
+          </p:nvPr>
+        </p:nvSpPr>
+        <p:spPr>
+          <a:xfrm>
+            <a:off x="1371599" y="685800"/>
+            <a:ext cx="10548651" cy="1485900"/>
+          </a:xfrm>
+        </p:spPr>
         <p:txBody>
           <a:bodyPr>
             <a:normAutofit fontScale="90000"/>
@@ -4766,8 +5513,41 @@
                 </a:pPr>
                 <a:r>
                   <a:rPr lang="en-US" sz="3000" dirty="0" smtClean="0"/>
-                  <a:t>1. Find the mean of the values in the data set</a:t>
+                  <a:t>1. Find the mean of the values in the data </a:t>
                 </a:r>
+                <a:r>
+                  <a:rPr lang="en-US" sz="3000" dirty="0" smtClean="0"/>
+                  <a:t>set </a:t>
+                </a:r>
+                <a:r>
+                  <a:rPr lang="en-US" sz="3000" dirty="0" smtClean="0">
+                    <a:sym typeface="Wingdings" panose="05000000000000000000" pitchFamily="2" charset="2"/>
+                  </a:rPr>
+                  <a:t> </a:t>
+                </a:r>
+                <a14:m>
+                  <m:oMath xmlns:m="http://schemas.openxmlformats.org/officeDocument/2006/math">
+                    <m:acc>
+                      <m:accPr>
+                        <m:chr m:val="̅"/>
+                        <m:ctrlPr>
+                          <a:rPr lang="en-US" sz="3000" i="1">
+                            <a:latin typeface="Cambria Math" panose="02040503050406030204" pitchFamily="18" charset="0"/>
+                          </a:rPr>
+                        </m:ctrlPr>
+                      </m:accPr>
+                      <m:e>
+                        <m:r>
+                          <a:rPr lang="en-US" sz="3000" i="1">
+                            <a:latin typeface="Cambria Math" panose="02040503050406030204" pitchFamily="18" charset="0"/>
+                          </a:rPr>
+                          <m:t>𝑥</m:t>
+                        </m:r>
+                      </m:e>
+                    </m:acc>
+                  </m:oMath>
+                </a14:m>
+                <a:endParaRPr lang="en-US" sz="3000" dirty="0"/>
               </a:p>
               <a:p>
                 <a:pPr marL="0" lvl="0" indent="0">
@@ -4841,20 +5621,28 @@
                     <m:sSup>
                       <m:sSupPr>
                         <m:ctrlPr>
-                          <a:rPr lang="en-US" sz="3000" i="1"/>
+                          <a:rPr lang="en-US" sz="3000" i="1">
+                            <a:latin typeface="Cambria Math" panose="02040503050406030204" pitchFamily="18" charset="0"/>
+                          </a:rPr>
                         </m:ctrlPr>
                       </m:sSupPr>
                       <m:e>
                         <m:r>
-                          <a:rPr lang="en-US" sz="3000" i="1"/>
+                          <a:rPr lang="en-US" sz="3000" i="1">
+                            <a:latin typeface="Cambria Math" panose="02040503050406030204" pitchFamily="18" charset="0"/>
+                          </a:rPr>
                           <m:t>(</m:t>
                         </m:r>
                         <m:r>
-                          <a:rPr lang="en-US" sz="3000" i="1"/>
+                          <a:rPr lang="en-US" sz="3000" i="1">
+                            <a:latin typeface="Cambria Math" panose="02040503050406030204" pitchFamily="18" charset="0"/>
+                          </a:rPr>
                           <m:t>𝑥</m:t>
                         </m:r>
                         <m:r>
-                          <a:rPr lang="en-US" sz="3000" i="1"/>
+                          <a:rPr lang="en-US" sz="3000" i="1">
+                            <a:latin typeface="Cambria Math" panose="02040503050406030204" pitchFamily="18" charset="0"/>
+                          </a:rPr>
                           <m:t>−</m:t>
                         </m:r>
                         <m:acc>
@@ -4884,7 +5672,9 @@
                       </m:e>
                       <m:sup>
                         <m:r>
-                          <a:rPr lang="en-US" sz="3000" i="1"/>
+                          <a:rPr lang="en-US" sz="3000" i="1">
+                            <a:latin typeface="Cambria Math" panose="02040503050406030204" pitchFamily="18" charset="0"/>
+                          </a:rPr>
                           <m:t>2</m:t>
                         </m:r>
                       </m:sup>
@@ -4969,7 +5759,7 @@
               <a:blipFill rotWithShape="0">
                 <a:blip r:embed="rId2"/>
                 <a:stretch>
-                  <a:fillRect l="-1296" t="-2099" r="-1296"/>
+                  <a:fillRect l="-1296" t="-2222" r="-1296"/>
                 </a:stretch>
               </a:blipFill>
             </p:spPr>
@@ -4998,467 +5788,13 @@
   <p:clrMapOvr>
     <a:masterClrMapping/>
   </p:clrMapOvr>
-</p:sld>
-</file>
-
-<file path=ppt/slides/slide6.xml><?xml version="1.0" encoding="utf-8"?>
-<p:sld xmlns:a="http://schemas.openxmlformats.org/drawingml/2006/main" xmlns:r="http://schemas.openxmlformats.org/officeDocument/2006/relationships" xmlns:p="http://schemas.openxmlformats.org/presentationml/2006/main">
-  <p:cSld>
-    <p:spTree>
-      <p:nvGrpSpPr>
-        <p:cNvPr id="1" name=""/>
-        <p:cNvGrpSpPr/>
-        <p:nvPr/>
-      </p:nvGrpSpPr>
-      <p:grpSpPr>
-        <a:xfrm>
-          <a:off x="0" y="0"/>
-          <a:ext cx="0" cy="0"/>
-          <a:chOff x="0" y="0"/>
-          <a:chExt cx="0" cy="0"/>
-        </a:xfrm>
-      </p:grpSpPr>
-      <p:sp>
-        <p:nvSpPr>
-          <p:cNvPr id="2" name="Title 1"/>
-          <p:cNvSpPr>
-            <a:spLocks noGrp="1"/>
-          </p:cNvSpPr>
-          <p:nvPr>
-            <p:ph type="title"/>
-          </p:nvPr>
-        </p:nvSpPr>
-        <p:spPr/>
-        <p:txBody>
-          <a:bodyPr/>
-          <a:lstStyle/>
-          <a:p>
-            <a:r>
-              <a:rPr lang="en-US" dirty="0" smtClean="0"/>
-              <a:t>Formulas</a:t>
-            </a:r>
-            <a:endParaRPr lang="en-US" dirty="0"/>
-          </a:p>
-        </p:txBody>
-      </p:sp>
-      <mc:AlternateContent xmlns:mc="http://schemas.openxmlformats.org/markup-compatibility/2006">
-        <mc:Choice xmlns:a14="http://schemas.microsoft.com/office/drawing/2010/main" Requires="a14">
-          <p:sp>
-            <p:nvSpPr>
-              <p:cNvPr id="3" name="Content Placeholder 2"/>
-              <p:cNvSpPr>
-                <a:spLocks noGrp="1"/>
-              </p:cNvSpPr>
-              <p:nvPr>
-                <p:ph idx="1"/>
-              </p:nvPr>
-            </p:nvSpPr>
-            <p:spPr/>
-            <p:txBody>
-              <a:bodyPr/>
-              <a:lstStyle/>
-              <a:p>
-                <a:pPr marL="0" indent="0">
-                  <a:buNone/>
-                </a:pPr>
-                <a:r>
-                  <a:rPr lang="en-US" sz="4000" b="1" dirty="0" smtClean="0"/>
-                  <a:t>Variance: </a:t>
-                </a:r>
-                <a14:m>
-                  <m:oMath xmlns:m="http://schemas.openxmlformats.org/officeDocument/2006/math">
-                    <m:sSup>
-                      <m:sSupPr>
-                        <m:ctrlPr>
-                          <a:rPr lang="en-US" sz="4000" b="1" i="1"/>
-                        </m:ctrlPr>
-                      </m:sSupPr>
-                      <m:e>
-                        <m:r>
-                          <a:rPr lang="en-US" sz="4000" b="1" i="1"/>
-                          <m:t>𝝈</m:t>
-                        </m:r>
-                      </m:e>
-                      <m:sup>
-                        <m:r>
-                          <a:rPr lang="en-US" sz="4000" b="1" i="1"/>
-                          <m:t>𝟐</m:t>
-                        </m:r>
-                      </m:sup>
-                    </m:sSup>
-                    <m:r>
-                      <a:rPr lang="en-US" sz="4000" b="1" i="1"/>
-                      <m:t>=</m:t>
-                    </m:r>
-                    <m:f>
-                      <m:fPr>
-                        <m:ctrlPr>
-                          <a:rPr lang="en-US" sz="4000" b="1" i="1"/>
-                        </m:ctrlPr>
-                      </m:fPr>
-                      <m:num>
-                        <m:nary>
-                          <m:naryPr>
-                            <m:chr m:val="∑"/>
-                            <m:limLoc m:val="undOvr"/>
-                            <m:subHide m:val="on"/>
-                            <m:supHide m:val="on"/>
-                            <m:ctrlPr>
-                              <a:rPr lang="en-US" sz="4000" b="1" i="1"/>
-                            </m:ctrlPr>
-                          </m:naryPr>
-                          <m:sub/>
-                          <m:sup/>
-                          <m:e>
-                            <m:sSup>
-                              <m:sSupPr>
-                                <m:ctrlPr>
-                                  <a:rPr lang="en-US" sz="4000" b="1" i="1"/>
-                                </m:ctrlPr>
-                              </m:sSupPr>
-                              <m:e>
-                                <m:r>
-                                  <a:rPr lang="en-US" sz="4000" b="1" i="1"/>
-                                  <m:t>(</m:t>
-                                </m:r>
-                                <m:r>
-                                  <a:rPr lang="en-US" sz="4000" i="1"/>
-                                  <m:t>𝑥</m:t>
-                                </m:r>
-                                <m:r>
-                                  <a:rPr lang="en-US" sz="4000" b="0" i="1" smtClean="0">
-                                    <a:latin typeface="Cambria Math" panose="02040503050406030204" pitchFamily="18" charset="0"/>
-                                  </a:rPr>
-                                  <m:t>−</m:t>
-                                </m:r>
-                                <m:acc>
-                                  <m:accPr>
-                                    <m:chr m:val="̅"/>
-                                    <m:ctrlPr>
-                                      <a:rPr lang="en-US" sz="4000" i="1">
-                                        <a:latin typeface="Cambria Math" panose="02040503050406030204" pitchFamily="18" charset="0"/>
-                                      </a:rPr>
-                                    </m:ctrlPr>
-                                  </m:accPr>
-                                  <m:e>
-                                    <m:r>
-                                      <a:rPr lang="en-US" sz="4000" i="1">
-                                        <a:latin typeface="Cambria Math" panose="02040503050406030204" pitchFamily="18" charset="0"/>
-                                      </a:rPr>
-                                      <m:t>𝑥</m:t>
-                                    </m:r>
-                                  </m:e>
-                                </m:acc>
-                                <m:r>
-                                  <a:rPr lang="en-US" sz="4000" i="1"/>
-                                  <m:t>)</m:t>
-                                </m:r>
-                              </m:e>
-                              <m:sup>
-                                <m:r>
-                                  <a:rPr lang="en-US" sz="4000" b="1" i="1"/>
-                                  <m:t>𝟐</m:t>
-                                </m:r>
-                              </m:sup>
-                            </m:sSup>
-                          </m:e>
-                        </m:nary>
-                      </m:num>
-                      <m:den>
-                        <m:r>
-                          <a:rPr lang="en-US" sz="4000" b="1" i="1"/>
-                          <m:t>𝒏</m:t>
-                        </m:r>
-                      </m:den>
-                    </m:f>
-                  </m:oMath>
-                </a14:m>
-                <a:endParaRPr lang="en-US" sz="4000" dirty="0"/>
-              </a:p>
-              <a:p>
-                <a:pPr marL="0" indent="0">
-                  <a:buNone/>
-                </a:pPr>
-                <a:r>
-                  <a:rPr lang="en-US" sz="4000" b="1" dirty="0"/>
-                  <a:t> </a:t>
-                </a:r>
-                <a:endParaRPr lang="en-US" sz="4000" dirty="0"/>
-              </a:p>
-              <a:p>
-                <a:pPr marL="0" indent="0">
-                  <a:buNone/>
-                </a:pPr>
-                <a:r>
-                  <a:rPr lang="en-US" sz="4000" b="1" dirty="0"/>
-                  <a:t>Standard Deviation: </a:t>
-                </a:r>
-                <a14:m>
-                  <m:oMath xmlns:m="http://schemas.openxmlformats.org/officeDocument/2006/math">
-                    <m:r>
-                      <a:rPr lang="en-US" sz="4000" b="1" i="1"/>
-                      <m:t>𝝈</m:t>
-                    </m:r>
-                    <m:r>
-                      <a:rPr lang="en-US" sz="4000" b="1" i="1"/>
-                      <m:t>=</m:t>
-                    </m:r>
-                    <m:rad>
-                      <m:radPr>
-                        <m:degHide m:val="on"/>
-                        <m:ctrlPr>
-                          <a:rPr lang="en-US" sz="4000" b="1" i="1"/>
-                        </m:ctrlPr>
-                      </m:radPr>
-                      <m:deg/>
-                      <m:e>
-                        <m:f>
-                          <m:fPr>
-                            <m:ctrlPr>
-                              <a:rPr lang="en-US" sz="4000" b="1" i="1"/>
-                            </m:ctrlPr>
-                          </m:fPr>
-                          <m:num>
-                            <m:nary>
-                              <m:naryPr>
-                                <m:chr m:val="∑"/>
-                                <m:limLoc m:val="undOvr"/>
-                                <m:subHide m:val="on"/>
-                                <m:supHide m:val="on"/>
-                                <m:ctrlPr>
-                                  <a:rPr lang="en-US" sz="4000" b="1" i="1"/>
-                                </m:ctrlPr>
-                              </m:naryPr>
-                              <m:sub/>
-                              <m:sup/>
-                              <m:e>
-                                <m:sSup>
-                                  <m:sSupPr>
-                                    <m:ctrlPr>
-                                      <a:rPr lang="en-US" sz="4000" b="1" i="1"/>
-                                    </m:ctrlPr>
-                                  </m:sSupPr>
-                                  <m:e>
-                                    <m:r>
-                                      <a:rPr lang="en-US" sz="4000" b="1" i="1"/>
-                                      <m:t>(</m:t>
-                                    </m:r>
-                                    <m:r>
-                                      <a:rPr lang="en-US" sz="4000" i="1"/>
-                                      <m:t>𝑥</m:t>
-                                    </m:r>
-                                    <m:r>
-                                      <a:rPr lang="en-US" sz="4000" b="0" i="1" smtClean="0">
-                                        <a:latin typeface="Cambria Math" panose="02040503050406030204" pitchFamily="18" charset="0"/>
-                                      </a:rPr>
-                                      <m:t>−</m:t>
-                                    </m:r>
-                                    <m:acc>
-                                      <m:accPr>
-                                        <m:chr m:val="̅"/>
-                                        <m:ctrlPr>
-                                          <a:rPr lang="en-US" sz="4000" i="1">
-                                            <a:latin typeface="Cambria Math" panose="02040503050406030204" pitchFamily="18" charset="0"/>
-                                          </a:rPr>
-                                        </m:ctrlPr>
-                                      </m:accPr>
-                                      <m:e>
-                                        <m:r>
-                                          <a:rPr lang="en-US" sz="4000" i="1">
-                                            <a:latin typeface="Cambria Math" panose="02040503050406030204" pitchFamily="18" charset="0"/>
-                                          </a:rPr>
-                                          <m:t>𝑥</m:t>
-                                        </m:r>
-                                      </m:e>
-                                    </m:acc>
-                                    <m:r>
-                                      <a:rPr lang="en-US" sz="4000" i="1"/>
-                                      <m:t>)</m:t>
-                                    </m:r>
-                                  </m:e>
-                                  <m:sup>
-                                    <m:r>
-                                      <a:rPr lang="en-US" sz="4000" b="1" i="1"/>
-                                      <m:t>𝟐</m:t>
-                                    </m:r>
-                                  </m:sup>
-                                </m:sSup>
-                              </m:e>
-                            </m:nary>
-                          </m:num>
-                          <m:den>
-                            <m:r>
-                              <a:rPr lang="en-US" sz="4000" b="1" i="1" smtClean="0"/>
-                              <m:t>𝒏</m:t>
-                            </m:r>
-                          </m:den>
-                        </m:f>
-                      </m:e>
-                    </m:rad>
-                  </m:oMath>
-                </a14:m>
-                <a:endParaRPr lang="en-US" sz="4000" dirty="0"/>
-              </a:p>
-              <a:p>
-                <a:pPr marL="0" indent="0">
-                  <a:buNone/>
-                </a:pPr>
-                <a:endParaRPr lang="en-US" dirty="0"/>
-              </a:p>
-            </p:txBody>
-          </p:sp>
-        </mc:Choice>
-        <mc:Fallback>
-          <p:sp>
-            <p:nvSpPr>
-              <p:cNvPr id="3" name="Content Placeholder 2"/>
-              <p:cNvSpPr>
-                <a:spLocks noGrp="1" noRot="1" noChangeAspect="1" noMove="1" noResize="1" noEditPoints="1" noAdjustHandles="1" noChangeArrowheads="1" noChangeShapeType="1" noTextEdit="1"/>
-              </p:cNvSpPr>
-              <p:nvPr>
-                <p:ph idx="1"/>
-              </p:nvPr>
-            </p:nvSpPr>
-            <p:spPr>
-              <a:blipFill rotWithShape="0">
-                <a:blip r:embed="rId2"/>
-                <a:stretch>
-                  <a:fillRect l="-2222"/>
-                </a:stretch>
-              </a:blipFill>
-            </p:spPr>
-            <p:txBody>
-              <a:bodyPr/>
-              <a:lstStyle/>
-              <a:p>
-                <a:r>
-                  <a:rPr lang="en-US">
-                    <a:noFill/>
-                  </a:rPr>
-                  <a:t> </a:t>
-                </a:r>
-              </a:p>
-            </p:txBody>
-          </p:sp>
-        </mc:Fallback>
-      </mc:AlternateContent>
-    </p:spTree>
-    <p:extLst>
-      <p:ext uri="{BB962C8B-B14F-4D97-AF65-F5344CB8AC3E}">
-        <p14:creationId xmlns:p14="http://schemas.microsoft.com/office/powerpoint/2010/main" val="3904755225"/>
-      </p:ext>
-    </p:extLst>
-  </p:cSld>
-  <p:clrMapOvr>
-    <a:masterClrMapping/>
-  </p:clrMapOvr>
-</p:sld>
-</file>
-
-<file path=ppt/slides/slide7.xml><?xml version="1.0" encoding="utf-8"?>
-<p:sld xmlns:a="http://schemas.openxmlformats.org/drawingml/2006/main" xmlns:r="http://schemas.openxmlformats.org/officeDocument/2006/relationships" xmlns:p="http://schemas.openxmlformats.org/presentationml/2006/main">
-  <p:cSld>
-    <p:spTree>
-      <p:nvGrpSpPr>
-        <p:cNvPr id="1" name=""/>
-        <p:cNvGrpSpPr/>
-        <p:nvPr/>
-      </p:nvGrpSpPr>
-      <p:grpSpPr>
-        <a:xfrm>
-          <a:off x="0" y="0"/>
-          <a:ext cx="0" cy="0"/>
-          <a:chOff x="0" y="0"/>
-          <a:chExt cx="0" cy="0"/>
-        </a:xfrm>
-      </p:grpSpPr>
-      <p:sp>
-        <p:nvSpPr>
-          <p:cNvPr id="2" name="Title 1"/>
-          <p:cNvSpPr>
-            <a:spLocks noGrp="1"/>
-          </p:cNvSpPr>
-          <p:nvPr>
-            <p:ph type="title"/>
-          </p:nvPr>
-        </p:nvSpPr>
-        <p:spPr/>
-        <p:txBody>
-          <a:bodyPr/>
-          <a:lstStyle/>
-          <a:p>
-            <a:r>
-              <a:rPr lang="en-US" dirty="0" smtClean="0"/>
-              <a:t>Example: </a:t>
-            </a:r>
-            <a:endParaRPr lang="en-US" dirty="0"/>
-          </a:p>
-        </p:txBody>
-      </p:sp>
-      <p:sp>
-        <p:nvSpPr>
-          <p:cNvPr id="3" name="Content Placeholder 2"/>
-          <p:cNvSpPr>
-            <a:spLocks noGrp="1"/>
-          </p:cNvSpPr>
-          <p:nvPr>
-            <p:ph idx="1"/>
-          </p:nvPr>
-        </p:nvSpPr>
-        <p:spPr/>
-        <p:txBody>
-          <a:bodyPr/>
-          <a:lstStyle/>
-          <a:p>
-            <a:pPr marL="0" indent="0">
-              <a:buNone/>
-            </a:pPr>
-            <a:r>
-              <a:rPr lang="en-US" sz="3000" dirty="0"/>
-              <a:t>What is the mean, variance and standard deviation of the </a:t>
-            </a:r>
-            <a:r>
-              <a:rPr lang="en-US" sz="3000" dirty="0" smtClean="0"/>
-              <a:t>following </a:t>
-            </a:r>
-            <a:r>
-              <a:rPr lang="en-US" sz="3000" dirty="0"/>
-              <a:t>values?</a:t>
-            </a:r>
-          </a:p>
-          <a:p>
-            <a:pPr marL="0" indent="0">
-              <a:buNone/>
-            </a:pPr>
-            <a:r>
-              <a:rPr lang="en-US" sz="3000" dirty="0"/>
-              <a:t> </a:t>
-            </a:r>
-          </a:p>
-          <a:p>
-            <a:pPr marL="0" indent="0">
-              <a:buNone/>
-            </a:pPr>
-            <a:r>
-              <a:rPr lang="en-US" sz="3000" dirty="0"/>
-              <a:t>8, 12, 10, 13, 9, 20</a:t>
-            </a:r>
-          </a:p>
-          <a:p>
-            <a:endParaRPr lang="en-US" dirty="0"/>
-          </a:p>
-        </p:txBody>
-      </p:sp>
-    </p:spTree>
-    <p:extLst>
-      <p:ext uri="{BB962C8B-B14F-4D97-AF65-F5344CB8AC3E}">
-        <p14:creationId xmlns:p14="http://schemas.microsoft.com/office/powerpoint/2010/main" val="3739202734"/>
-      </p:ext>
-    </p:extLst>
-  </p:cSld>
-  <p:clrMapOvr>
-    <a:masterClrMapping/>
-  </p:clrMapOvr>
+  <p:timing>
+    <p:tnLst>
+      <p:par>
+        <p:cTn id="1" dur="indefinite" restart="never" nodeType="tmRoot"/>
+      </p:par>
+    </p:tnLst>
+  </p:timing>
 </p:sld>
 </file>
 
@@ -5489,6 +5825,120 @@
             <p:ph type="title"/>
           </p:nvPr>
         </p:nvSpPr>
+        <p:spPr/>
+        <p:txBody>
+          <a:bodyPr/>
+          <a:lstStyle/>
+          <a:p>
+            <a:r>
+              <a:rPr lang="en-US" dirty="0" smtClean="0"/>
+              <a:t>Example: </a:t>
+            </a:r>
+            <a:endParaRPr lang="en-US" dirty="0"/>
+          </a:p>
+        </p:txBody>
+      </p:sp>
+      <p:sp>
+        <p:nvSpPr>
+          <p:cNvPr id="3" name="Content Placeholder 2"/>
+          <p:cNvSpPr>
+            <a:spLocks noGrp="1"/>
+          </p:cNvSpPr>
+          <p:nvPr>
+            <p:ph idx="1"/>
+          </p:nvPr>
+        </p:nvSpPr>
+        <p:spPr/>
+        <p:txBody>
+          <a:bodyPr/>
+          <a:lstStyle/>
+          <a:p>
+            <a:pPr marL="0" indent="0">
+              <a:buNone/>
+            </a:pPr>
+            <a:r>
+              <a:rPr lang="en-US" sz="3000" dirty="0"/>
+              <a:t>What is the mean, variance and standard deviation of the </a:t>
+            </a:r>
+            <a:r>
+              <a:rPr lang="en-US" sz="3000" dirty="0" smtClean="0"/>
+              <a:t>following </a:t>
+            </a:r>
+            <a:r>
+              <a:rPr lang="en-US" sz="3000" dirty="0"/>
+              <a:t>values?</a:t>
+            </a:r>
+          </a:p>
+          <a:p>
+            <a:pPr marL="0" indent="0">
+              <a:buNone/>
+            </a:pPr>
+            <a:r>
+              <a:rPr lang="en-US" sz="3000" dirty="0"/>
+              <a:t> </a:t>
+            </a:r>
+          </a:p>
+          <a:p>
+            <a:pPr marL="0" indent="0">
+              <a:buNone/>
+            </a:pPr>
+            <a:r>
+              <a:rPr lang="en-US" sz="3000" dirty="0"/>
+              <a:t>8, 12, 10, 13, 9, 20</a:t>
+            </a:r>
+          </a:p>
+          <a:p>
+            <a:endParaRPr lang="en-US" dirty="0"/>
+          </a:p>
+        </p:txBody>
+      </p:sp>
+    </p:spTree>
+    <p:extLst>
+      <p:ext uri="{BB962C8B-B14F-4D97-AF65-F5344CB8AC3E}">
+        <p14:creationId xmlns:p14="http://schemas.microsoft.com/office/powerpoint/2010/main" val="3739202734"/>
+      </p:ext>
+    </p:extLst>
+  </p:cSld>
+  <p:clrMapOvr>
+    <a:masterClrMapping/>
+  </p:clrMapOvr>
+  <p:timing>
+    <p:tnLst>
+      <p:par>
+        <p:cTn id="1" dur="indefinite" restart="never" nodeType="tmRoot"/>
+      </p:par>
+    </p:tnLst>
+  </p:timing>
+</p:sld>
+</file>
+
+<file path=ppt/slides/slide9.xml><?xml version="1.0" encoding="utf-8"?>
+<p:sld xmlns:a="http://schemas.openxmlformats.org/drawingml/2006/main" xmlns:r="http://schemas.openxmlformats.org/officeDocument/2006/relationships" xmlns:p="http://schemas.openxmlformats.org/presentationml/2006/main">
+  <p:cSld>
+    <p:spTree>
+      <p:nvGrpSpPr>
+        <p:cNvPr id="1" name=""/>
+        <p:cNvGrpSpPr/>
+        <p:nvPr/>
+      </p:nvGrpSpPr>
+      <p:grpSpPr>
+        <a:xfrm>
+          <a:off x="0" y="0"/>
+          <a:ext cx="0" cy="0"/>
+          <a:chOff x="0" y="0"/>
+          <a:chExt cx="0" cy="0"/>
+        </a:xfrm>
+      </p:grpSpPr>
+      <p:sp>
+        <p:nvSpPr>
+          <p:cNvPr id="2" name="Title 1"/>
+          <p:cNvSpPr>
+            <a:spLocks noGrp="1"/>
+          </p:cNvSpPr>
+          <p:nvPr>
+            <p:ph type="title"/>
+          </p:nvPr>
+        </p:nvSpPr>
         <p:spPr>
           <a:xfrm>
             <a:off x="682052" y="0"/>
@@ -5507,8 +5957,8 @@
           </a:p>
         </p:txBody>
       </p:sp>
-      <mc:AlternateContent xmlns:mc="http://schemas.openxmlformats.org/markup-compatibility/2006">
-        <mc:Choice xmlns:a14="http://schemas.microsoft.com/office/drawing/2010/main" Requires="a14">
+      <mc:AlternateContent xmlns:mc="http://schemas.openxmlformats.org/markup-compatibility/2006" xmlns:a14="http://schemas.microsoft.com/office/drawing/2010/main">
+        <mc:Choice Requires="a14">
           <p:sp>
             <p:nvSpPr>
               <p:cNvPr id="3" name="Content Placeholder 2"/>
@@ -5577,41 +6027,57 @@
                       <m:f>
                         <m:fPr>
                           <m:ctrlPr>
-                            <a:rPr lang="en-US" sz="3000" b="1" i="1"/>
+                            <a:rPr lang="en-US" sz="3000" b="1" i="1">
+                              <a:latin typeface="Cambria Math" panose="02040503050406030204" pitchFamily="18" charset="0"/>
+                            </a:rPr>
                           </m:ctrlPr>
                         </m:fPr>
                         <m:num>
                           <m:sSup>
                             <m:sSupPr>
                               <m:ctrlPr>
-                                <a:rPr lang="en-US" sz="3000" b="1" i="1"/>
+                                <a:rPr lang="en-US" sz="3000" b="1" i="1">
+                                  <a:latin typeface="Cambria Math" panose="02040503050406030204" pitchFamily="18" charset="0"/>
+                                </a:rPr>
                               </m:ctrlPr>
                             </m:sSupPr>
                             <m:e>
                               <m:r>
-                                <a:rPr lang="en-US" sz="3000" b="1" i="1"/>
+                                <a:rPr lang="en-US" sz="3000" b="1" i="1">
+                                  <a:latin typeface="Cambria Math" panose="02040503050406030204" pitchFamily="18" charset="0"/>
+                                </a:rPr>
                                 <m:t>(</m:t>
                               </m:r>
                               <m:r>
-                                <a:rPr lang="en-US" sz="3000" b="1" i="1"/>
+                                <a:rPr lang="en-US" sz="3000" b="1" i="1">
+                                  <a:latin typeface="Cambria Math" panose="02040503050406030204" pitchFamily="18" charset="0"/>
+                                </a:rPr>
                                 <m:t>𝟖</m:t>
                               </m:r>
                               <m:r>
-                                <a:rPr lang="en-US" sz="3000" b="1" i="1"/>
+                                <a:rPr lang="en-US" sz="3000" b="1" i="1">
+                                  <a:latin typeface="Cambria Math" panose="02040503050406030204" pitchFamily="18" charset="0"/>
+                                </a:rPr>
                                 <m:t>−</m:t>
                               </m:r>
                               <m:r>
-                                <a:rPr lang="en-US" sz="3000" b="1" i="1"/>
+                                <a:rPr lang="en-US" sz="3000" b="1" i="1">
+                                  <a:latin typeface="Cambria Math" panose="02040503050406030204" pitchFamily="18" charset="0"/>
+                                </a:rPr>
                                 <m:t>𝟏𝟐</m:t>
                               </m:r>
                               <m:r>
-                                <a:rPr lang="en-US" sz="3000" b="1" i="1"/>
+                                <a:rPr lang="en-US" sz="3000" b="1" i="1">
+                                  <a:latin typeface="Cambria Math" panose="02040503050406030204" pitchFamily="18" charset="0"/>
+                                </a:rPr>
                                 <m:t>)</m:t>
                               </m:r>
                             </m:e>
                             <m:sup>
                               <m:r>
-                                <a:rPr lang="en-US" sz="3000" b="1" i="1"/>
+                                <a:rPr lang="en-US" sz="3000" b="1" i="1">
+                                  <a:latin typeface="Cambria Math" panose="02040503050406030204" pitchFamily="18" charset="0"/>
+                                </a:rPr>
                                 <m:t>𝟐</m:t>
                               </m:r>
                             </m:sup>
@@ -5619,105 +6085,147 @@
                           <m:sSup>
                             <m:sSupPr>
                               <m:ctrlPr>
-                                <a:rPr lang="en-US" sz="3000" b="1" i="1"/>
+                                <a:rPr lang="en-US" sz="3000" b="1" i="1">
+                                  <a:latin typeface="Cambria Math" panose="02040503050406030204" pitchFamily="18" charset="0"/>
+                                </a:rPr>
                               </m:ctrlPr>
                             </m:sSupPr>
                             <m:e>
                               <m:r>
-                                <a:rPr lang="en-US" sz="3000" b="1" i="1"/>
+                                <a:rPr lang="en-US" sz="3000" b="1" i="1">
+                                  <a:latin typeface="Cambria Math" panose="02040503050406030204" pitchFamily="18" charset="0"/>
+                                </a:rPr>
                                 <m:t>+(</m:t>
                               </m:r>
                               <m:r>
-                                <a:rPr lang="en-US" sz="3000" b="1" i="1"/>
+                                <a:rPr lang="en-US" sz="3000" b="1" i="1">
+                                  <a:latin typeface="Cambria Math" panose="02040503050406030204" pitchFamily="18" charset="0"/>
+                                </a:rPr>
                                 <m:t>𝟏𝟐</m:t>
                               </m:r>
                               <m:r>
-                                <a:rPr lang="en-US" sz="3000" b="1" i="1"/>
+                                <a:rPr lang="en-US" sz="3000" b="1" i="1">
+                                  <a:latin typeface="Cambria Math" panose="02040503050406030204" pitchFamily="18" charset="0"/>
+                                </a:rPr>
                                 <m:t>−</m:t>
                               </m:r>
                               <m:r>
-                                <a:rPr lang="en-US" sz="3000" b="1" i="1"/>
+                                <a:rPr lang="en-US" sz="3000" b="1" i="1">
+                                  <a:latin typeface="Cambria Math" panose="02040503050406030204" pitchFamily="18" charset="0"/>
+                                </a:rPr>
                                 <m:t>𝟏𝟐</m:t>
                               </m:r>
                               <m:r>
-                                <a:rPr lang="en-US" sz="3000" b="1" i="1"/>
+                                <a:rPr lang="en-US" sz="3000" b="1" i="1">
+                                  <a:latin typeface="Cambria Math" panose="02040503050406030204" pitchFamily="18" charset="0"/>
+                                </a:rPr>
                                 <m:t>)</m:t>
                               </m:r>
                             </m:e>
                             <m:sup>
                               <m:r>
-                                <a:rPr lang="en-US" sz="3000" b="1" i="1"/>
+                                <a:rPr lang="en-US" sz="3000" b="1" i="1">
+                                  <a:latin typeface="Cambria Math" panose="02040503050406030204" pitchFamily="18" charset="0"/>
+                                </a:rPr>
                                 <m:t>𝟐</m:t>
                               </m:r>
                             </m:sup>
                           </m:sSup>
                           <m:r>
-                            <a:rPr lang="en-US" sz="3000" b="1" i="1"/>
+                            <a:rPr lang="en-US" sz="3000" b="1" i="1">
+                              <a:latin typeface="Cambria Math" panose="02040503050406030204" pitchFamily="18" charset="0"/>
+                            </a:rPr>
                             <m:t>+</m:t>
                           </m:r>
                           <m:sSup>
                             <m:sSupPr>
                               <m:ctrlPr>
-                                <a:rPr lang="en-US" sz="3000" b="1" i="1"/>
+                                <a:rPr lang="en-US" sz="3000" b="1" i="1">
+                                  <a:latin typeface="Cambria Math" panose="02040503050406030204" pitchFamily="18" charset="0"/>
+                                </a:rPr>
                               </m:ctrlPr>
                             </m:sSupPr>
                             <m:e>
                               <m:r>
-                                <a:rPr lang="en-US" sz="3000" b="1" i="1"/>
+                                <a:rPr lang="en-US" sz="3000" b="1" i="1">
+                                  <a:latin typeface="Cambria Math" panose="02040503050406030204" pitchFamily="18" charset="0"/>
+                                </a:rPr>
                                 <m:t>(</m:t>
                               </m:r>
                               <m:r>
-                                <a:rPr lang="en-US" sz="3000" b="1" i="1"/>
+                                <a:rPr lang="en-US" sz="3000" b="1" i="1">
+                                  <a:latin typeface="Cambria Math" panose="02040503050406030204" pitchFamily="18" charset="0"/>
+                                </a:rPr>
                                 <m:t>𝟏𝟎</m:t>
                               </m:r>
                               <m:r>
-                                <a:rPr lang="en-US" sz="3000" b="1" i="1"/>
+                                <a:rPr lang="en-US" sz="3000" b="1" i="1">
+                                  <a:latin typeface="Cambria Math" panose="02040503050406030204" pitchFamily="18" charset="0"/>
+                                </a:rPr>
                                 <m:t>−</m:t>
                               </m:r>
                               <m:r>
-                                <a:rPr lang="en-US" sz="3000" b="1" i="1"/>
+                                <a:rPr lang="en-US" sz="3000" b="1" i="1">
+                                  <a:latin typeface="Cambria Math" panose="02040503050406030204" pitchFamily="18" charset="0"/>
+                                </a:rPr>
                                 <m:t>𝟏𝟐</m:t>
                               </m:r>
                               <m:r>
-                                <a:rPr lang="en-US" sz="3000" b="1" i="1"/>
+                                <a:rPr lang="en-US" sz="3000" b="1" i="1">
+                                  <a:latin typeface="Cambria Math" panose="02040503050406030204" pitchFamily="18" charset="0"/>
+                                </a:rPr>
                                 <m:t>)</m:t>
                               </m:r>
                             </m:e>
                             <m:sup>
                               <m:r>
-                                <a:rPr lang="en-US" sz="3000" b="1" i="1"/>
+                                <a:rPr lang="en-US" sz="3000" b="1" i="1">
+                                  <a:latin typeface="Cambria Math" panose="02040503050406030204" pitchFamily="18" charset="0"/>
+                                </a:rPr>
                                 <m:t>𝟐</m:t>
                               </m:r>
                             </m:sup>
                           </m:sSup>
                           <m:r>
-                            <a:rPr lang="en-US" sz="3000" b="1" i="1"/>
+                            <a:rPr lang="en-US" sz="3000" b="1" i="1">
+                              <a:latin typeface="Cambria Math" panose="02040503050406030204" pitchFamily="18" charset="0"/>
+                            </a:rPr>
                             <m:t>+</m:t>
                           </m:r>
                           <m:sSup>
                             <m:sSupPr>
                               <m:ctrlPr>
-                                <a:rPr lang="en-US" sz="3000" b="1" i="1"/>
+                                <a:rPr lang="en-US" sz="3000" b="1" i="1">
+                                  <a:latin typeface="Cambria Math" panose="02040503050406030204" pitchFamily="18" charset="0"/>
+                                </a:rPr>
                               </m:ctrlPr>
                             </m:sSupPr>
                             <m:e>
                               <m:d>
                                 <m:dPr>
                                   <m:ctrlPr>
-                                    <a:rPr lang="en-US" sz="3000" b="1" i="1"/>
+                                    <a:rPr lang="en-US" sz="3000" b="1" i="1">
+                                      <a:latin typeface="Cambria Math" panose="02040503050406030204" pitchFamily="18" charset="0"/>
+                                    </a:rPr>
                                   </m:ctrlPr>
                                 </m:dPr>
                                 <m:e>
                                   <m:r>
-                                    <a:rPr lang="en-US" sz="3000" b="1" i="1"/>
+                                    <a:rPr lang="en-US" sz="3000" b="1" i="1">
+                                      <a:latin typeface="Cambria Math" panose="02040503050406030204" pitchFamily="18" charset="0"/>
+                                    </a:rPr>
                                     <m:t>𝟏𝟑</m:t>
                                   </m:r>
                                   <m:r>
-                                    <a:rPr lang="en-US" sz="3000" b="1" i="1"/>
+                                    <a:rPr lang="en-US" sz="3000" b="1" i="1">
+                                      <a:latin typeface="Cambria Math" panose="02040503050406030204" pitchFamily="18" charset="0"/>
+                                    </a:rPr>
                                     <m:t>−</m:t>
                                   </m:r>
                                   <m:r>
-                                    <a:rPr lang="en-US" sz="3000" b="1" i="1"/>
+                                    <a:rPr lang="en-US" sz="3000" b="1" i="1">
+                                      <a:latin typeface="Cambria Math" panose="02040503050406030204" pitchFamily="18" charset="0"/>
+                                    </a:rPr>
                                     <m:t>𝟏𝟐</m:t>
                                   </m:r>
                                 </m:e>
@@ -5725,85 +6233,119 @@
                             </m:e>
                             <m:sup>
                               <m:r>
-                                <a:rPr lang="en-US" sz="3000" b="1" i="1"/>
+                                <a:rPr lang="en-US" sz="3000" b="1" i="1">
+                                  <a:latin typeface="Cambria Math" panose="02040503050406030204" pitchFamily="18" charset="0"/>
+                                </a:rPr>
                                 <m:t>𝟐</m:t>
                               </m:r>
                             </m:sup>
                           </m:sSup>
                           <m:r>
-                            <a:rPr lang="en-US" sz="3000" b="1" i="1"/>
+                            <a:rPr lang="en-US" sz="3000" b="1" i="1">
+                              <a:latin typeface="Cambria Math" panose="02040503050406030204" pitchFamily="18" charset="0"/>
+                            </a:rPr>
                             <m:t>+</m:t>
                           </m:r>
                           <m:sSup>
                             <m:sSupPr>
                               <m:ctrlPr>
-                                <a:rPr lang="en-US" sz="3000" b="1" i="1"/>
+                                <a:rPr lang="en-US" sz="3000" b="1" i="1">
+                                  <a:latin typeface="Cambria Math" panose="02040503050406030204" pitchFamily="18" charset="0"/>
+                                </a:rPr>
                               </m:ctrlPr>
                             </m:sSupPr>
                             <m:e>
                               <m:r>
-                                <a:rPr lang="en-US" sz="3000" b="1" i="1"/>
+                                <a:rPr lang="en-US" sz="3000" b="1" i="1">
+                                  <a:latin typeface="Cambria Math" panose="02040503050406030204" pitchFamily="18" charset="0"/>
+                                </a:rPr>
                                 <m:t>(</m:t>
                               </m:r>
                               <m:r>
-                                <a:rPr lang="en-US" sz="3000" b="1" i="1"/>
+                                <a:rPr lang="en-US" sz="3000" b="1" i="1">
+                                  <a:latin typeface="Cambria Math" panose="02040503050406030204" pitchFamily="18" charset="0"/>
+                                </a:rPr>
                                 <m:t>𝟗</m:t>
                               </m:r>
                               <m:r>
-                                <a:rPr lang="en-US" sz="3000" b="1" i="1"/>
+                                <a:rPr lang="en-US" sz="3000" b="1" i="1">
+                                  <a:latin typeface="Cambria Math" panose="02040503050406030204" pitchFamily="18" charset="0"/>
+                                </a:rPr>
                                 <m:t>−</m:t>
                               </m:r>
                               <m:r>
-                                <a:rPr lang="en-US" sz="3000" b="1" i="1"/>
+                                <a:rPr lang="en-US" sz="3000" b="1" i="1">
+                                  <a:latin typeface="Cambria Math" panose="02040503050406030204" pitchFamily="18" charset="0"/>
+                                </a:rPr>
                                 <m:t>𝟏𝟐</m:t>
                               </m:r>
                               <m:r>
-                                <a:rPr lang="en-US" sz="3000" b="1" i="1"/>
+                                <a:rPr lang="en-US" sz="3000" b="1" i="1">
+                                  <a:latin typeface="Cambria Math" panose="02040503050406030204" pitchFamily="18" charset="0"/>
+                                </a:rPr>
                                 <m:t>)</m:t>
                               </m:r>
                             </m:e>
                             <m:sup>
                               <m:r>
-                                <a:rPr lang="en-US" sz="3000" b="1" i="1"/>
+                                <a:rPr lang="en-US" sz="3000" b="1" i="1">
+                                  <a:latin typeface="Cambria Math" panose="02040503050406030204" pitchFamily="18" charset="0"/>
+                                </a:rPr>
                                 <m:t>𝟐</m:t>
                               </m:r>
                             </m:sup>
                           </m:sSup>
                           <m:r>
-                            <a:rPr lang="en-US" sz="3000" b="1" i="1"/>
+                            <a:rPr lang="en-US" sz="3000" b="1" i="1">
+                              <a:latin typeface="Cambria Math" panose="02040503050406030204" pitchFamily="18" charset="0"/>
+                            </a:rPr>
                             <m:t>+</m:t>
                           </m:r>
                           <m:sSup>
                             <m:sSupPr>
                               <m:ctrlPr>
-                                <a:rPr lang="en-US" sz="3000" b="1" i="1"/>
+                                <a:rPr lang="en-US" sz="3000" b="1" i="1">
+                                  <a:latin typeface="Cambria Math" panose="02040503050406030204" pitchFamily="18" charset="0"/>
+                                </a:rPr>
                               </m:ctrlPr>
                             </m:sSupPr>
                             <m:e>
                               <m:r>
-                                <a:rPr lang="en-US" sz="3000" b="1" i="1"/>
+                                <a:rPr lang="en-US" sz="3000" b="1" i="1">
+                                  <a:latin typeface="Cambria Math" panose="02040503050406030204" pitchFamily="18" charset="0"/>
+                                </a:rPr>
                                 <m:t>(</m:t>
                               </m:r>
                               <m:r>
-                                <a:rPr lang="en-US" sz="3000" b="1" i="1"/>
+                                <a:rPr lang="en-US" sz="3000" b="1" i="1">
+                                  <a:latin typeface="Cambria Math" panose="02040503050406030204" pitchFamily="18" charset="0"/>
+                                </a:rPr>
                                 <m:t>𝟐𝟎</m:t>
                               </m:r>
                               <m:r>
-                                <a:rPr lang="en-US" sz="3000" b="1" i="1"/>
+                                <a:rPr lang="en-US" sz="3000" b="1" i="1">
+                                  <a:latin typeface="Cambria Math" panose="02040503050406030204" pitchFamily="18" charset="0"/>
+                                </a:rPr>
                                 <m:t>−</m:t>
                               </m:r>
                               <m:r>
-                                <a:rPr lang="en-US" sz="3000" b="1" i="1"/>
+                                <a:rPr lang="en-US" sz="3000" b="1" i="1">
+                                  <a:latin typeface="Cambria Math" panose="02040503050406030204" pitchFamily="18" charset="0"/>
+                                </a:rPr>
                                 <m:t>𝟏𝟐</m:t>
                               </m:r>
                               <m:r>
-                                <a:rPr lang="en-US" sz="3000" b="1" i="1"/>
+                                <a:rPr lang="en-US" sz="3000" b="1" i="1">
+                                  <a:latin typeface="Cambria Math" panose="02040503050406030204" pitchFamily="18" charset="0"/>
+                                </a:rPr>
                                 <m:t>)</m:t>
                               </m:r>
                             </m:e>
                             <m:sup>
                               <m:r>
-                                <a:rPr lang="en-US" sz="3000" b="1" i="1"/>
+                                <a:rPr lang="en-US" sz="3000" b="1" i="1">
+                                  <a:latin typeface="Cambria Math" panose="02040503050406030204" pitchFamily="18" charset="0"/>
+                                </a:rPr>
                                 <m:t>𝟐</m:t>
                               </m:r>
                             </m:sup>
@@ -5811,7 +6353,9 @@
                         </m:num>
                         <m:den>
                           <m:r>
-                            <a:rPr lang="en-US" sz="3000" b="1" i="1"/>
+                            <a:rPr lang="en-US" sz="3000" b="1" i="1">
+                              <a:latin typeface="Cambria Math" panose="02040503050406030204" pitchFamily="18" charset="0"/>
+                            </a:rPr>
                             <m:t>𝟔</m:t>
                           </m:r>
                         </m:den>
@@ -5838,64 +6382,92 @@
                 <a14:m>
                   <m:oMath xmlns:m="http://schemas.openxmlformats.org/officeDocument/2006/math">
                     <m:r>
-                      <a:rPr lang="en-US" sz="3500" b="1" i="1"/>
+                      <a:rPr lang="en-US" sz="3500" b="1" i="1">
+                        <a:latin typeface="Cambria Math" panose="02040503050406030204" pitchFamily="18" charset="0"/>
+                      </a:rPr>
                       <m:t>=</m:t>
                     </m:r>
                     <m:f>
                       <m:fPr>
                         <m:ctrlPr>
-                          <a:rPr lang="en-US" sz="3500" b="1" i="1"/>
+                          <a:rPr lang="en-US" sz="3500" b="1" i="1">
+                            <a:latin typeface="Cambria Math" panose="02040503050406030204" pitchFamily="18" charset="0"/>
+                          </a:rPr>
                         </m:ctrlPr>
                       </m:fPr>
                       <m:num>
                         <m:r>
-                          <a:rPr lang="en-US" sz="3500" b="1" i="1"/>
+                          <a:rPr lang="en-US" sz="3500" b="1" i="1">
+                            <a:latin typeface="Cambria Math" panose="02040503050406030204" pitchFamily="18" charset="0"/>
+                          </a:rPr>
                           <m:t>𝟏𝟔</m:t>
                         </m:r>
                         <m:r>
-                          <a:rPr lang="en-US" sz="3500" b="1" i="1"/>
+                          <a:rPr lang="en-US" sz="3500" b="1" i="1">
+                            <a:latin typeface="Cambria Math" panose="02040503050406030204" pitchFamily="18" charset="0"/>
+                          </a:rPr>
                           <m:t>+</m:t>
                         </m:r>
                         <m:r>
-                          <a:rPr lang="en-US" sz="3500" b="1" i="1"/>
+                          <a:rPr lang="en-US" sz="3500" b="1" i="1">
+                            <a:latin typeface="Cambria Math" panose="02040503050406030204" pitchFamily="18" charset="0"/>
+                          </a:rPr>
                           <m:t>𝟎</m:t>
                         </m:r>
                         <m:r>
-                          <a:rPr lang="en-US" sz="3500" b="1" i="1"/>
+                          <a:rPr lang="en-US" sz="3500" b="1" i="1">
+                            <a:latin typeface="Cambria Math" panose="02040503050406030204" pitchFamily="18" charset="0"/>
+                          </a:rPr>
                           <m:t>+</m:t>
                         </m:r>
                         <m:r>
-                          <a:rPr lang="en-US" sz="3500" b="1" i="1"/>
+                          <a:rPr lang="en-US" sz="3500" b="1" i="1">
+                            <a:latin typeface="Cambria Math" panose="02040503050406030204" pitchFamily="18" charset="0"/>
+                          </a:rPr>
                           <m:t>𝟒</m:t>
                         </m:r>
                         <m:r>
-                          <a:rPr lang="en-US" sz="3500" b="1" i="1"/>
+                          <a:rPr lang="en-US" sz="3500" b="1" i="1">
+                            <a:latin typeface="Cambria Math" panose="02040503050406030204" pitchFamily="18" charset="0"/>
+                          </a:rPr>
                           <m:t>+</m:t>
                         </m:r>
                         <m:r>
-                          <a:rPr lang="en-US" sz="3500" b="1" i="1"/>
+                          <a:rPr lang="en-US" sz="3500" b="1" i="1">
+                            <a:latin typeface="Cambria Math" panose="02040503050406030204" pitchFamily="18" charset="0"/>
+                          </a:rPr>
                           <m:t>𝟏</m:t>
                         </m:r>
                         <m:r>
-                          <a:rPr lang="en-US" sz="3500" b="1" i="1"/>
+                          <a:rPr lang="en-US" sz="3500" b="1" i="1">
+                            <a:latin typeface="Cambria Math" panose="02040503050406030204" pitchFamily="18" charset="0"/>
+                          </a:rPr>
                           <m:t>+</m:t>
                         </m:r>
                         <m:r>
-                          <a:rPr lang="en-US" sz="3500" b="1" i="1"/>
+                          <a:rPr lang="en-US" sz="3500" b="1" i="1">
+                            <a:latin typeface="Cambria Math" panose="02040503050406030204" pitchFamily="18" charset="0"/>
+                          </a:rPr>
                           <m:t>𝟗</m:t>
                         </m:r>
                         <m:r>
-                          <a:rPr lang="en-US" sz="3500" b="1" i="1"/>
+                          <a:rPr lang="en-US" sz="3500" b="1" i="1">
+                            <a:latin typeface="Cambria Math" panose="02040503050406030204" pitchFamily="18" charset="0"/>
+                          </a:rPr>
                           <m:t>+</m:t>
                         </m:r>
                         <m:r>
-                          <a:rPr lang="en-US" sz="3500" b="1" i="1"/>
+                          <a:rPr lang="en-US" sz="3500" b="1" i="1">
+                            <a:latin typeface="Cambria Math" panose="02040503050406030204" pitchFamily="18" charset="0"/>
+                          </a:rPr>
                           <m:t>𝟔𝟒</m:t>
                         </m:r>
                       </m:num>
                       <m:den>
                         <m:r>
-                          <a:rPr lang="en-US" sz="3500" b="1" i="1"/>
+                          <a:rPr lang="en-US" sz="3500" b="1" i="1">
+                            <a:latin typeface="Cambria Math" panose="02040503050406030204" pitchFamily="18" charset="0"/>
+                          </a:rPr>
                           <m:t>𝟔</m:t>
                         </m:r>
                       </m:den>
@@ -5988,54 +6560,76 @@
                 <a14:m>
                   <m:oMath xmlns:m="http://schemas.openxmlformats.org/officeDocument/2006/math">
                     <m:r>
-                      <a:rPr lang="en-US" sz="3500" b="1" i="1"/>
+                      <a:rPr lang="en-US" sz="3500" b="1" i="1">
+                        <a:latin typeface="Cambria Math" panose="02040503050406030204" pitchFamily="18" charset="0"/>
+                      </a:rPr>
                       <m:t>=</m:t>
                     </m:r>
                     <m:rad>
                       <m:radPr>
                         <m:degHide m:val="on"/>
                         <m:ctrlPr>
-                          <a:rPr lang="en-US" sz="3500" b="1" i="1"/>
+                          <a:rPr lang="en-US" sz="3500" b="1" i="1">
+                            <a:latin typeface="Cambria Math" panose="02040503050406030204" pitchFamily="18" charset="0"/>
+                          </a:rPr>
                         </m:ctrlPr>
                       </m:radPr>
                       <m:deg/>
                       <m:e>
                         <m:r>
-                          <a:rPr lang="en-US" sz="3500" b="1" i="1"/>
+                          <a:rPr lang="en-US" sz="3500" b="1" i="1">
+                            <a:latin typeface="Cambria Math" panose="02040503050406030204" pitchFamily="18" charset="0"/>
+                          </a:rPr>
                           <m:t>𝟏𝟓</m:t>
                         </m:r>
                         <m:r>
-                          <a:rPr lang="en-US" sz="3500" b="1" i="1"/>
+                          <a:rPr lang="en-US" sz="3500" b="1" i="1">
+                            <a:latin typeface="Cambria Math" panose="02040503050406030204" pitchFamily="18" charset="0"/>
+                          </a:rPr>
                           <m:t>.</m:t>
                         </m:r>
                         <m:r>
-                          <a:rPr lang="en-US" sz="3500" b="1" i="1"/>
+                          <a:rPr lang="en-US" sz="3500" b="1" i="1">
+                            <a:latin typeface="Cambria Math" panose="02040503050406030204" pitchFamily="18" charset="0"/>
+                          </a:rPr>
                           <m:t>𝟔𝟔𝟔𝟔𝟔</m:t>
                         </m:r>
                         <m:r>
-                          <a:rPr lang="en-US" sz="3500" b="1" i="1"/>
+                          <a:rPr lang="en-US" sz="3500" b="1" i="1">
+                            <a:latin typeface="Cambria Math" panose="02040503050406030204" pitchFamily="18" charset="0"/>
+                          </a:rPr>
                           <m:t>…</m:t>
                         </m:r>
                       </m:e>
                     </m:rad>
                     <m:r>
-                      <a:rPr lang="en-US" sz="3500" b="1" i="1"/>
+                      <a:rPr lang="en-US" sz="3500" b="1" i="1">
+                        <a:latin typeface="Cambria Math" panose="02040503050406030204" pitchFamily="18" charset="0"/>
+                      </a:rPr>
                       <m:t>=</m:t>
                     </m:r>
                     <m:r>
-                      <a:rPr lang="en-US" sz="3500" b="1" i="1"/>
+                      <a:rPr lang="en-US" sz="3500" b="1" i="1">
+                        <a:latin typeface="Cambria Math" panose="02040503050406030204" pitchFamily="18" charset="0"/>
+                      </a:rPr>
                       <m:t>𝟑</m:t>
                     </m:r>
                     <m:r>
-                      <a:rPr lang="en-US" sz="3500" b="1" i="1"/>
+                      <a:rPr lang="en-US" sz="3500" b="1" i="1">
+                        <a:latin typeface="Cambria Math" panose="02040503050406030204" pitchFamily="18" charset="0"/>
+                      </a:rPr>
                       <m:t>.</m:t>
                     </m:r>
                     <m:r>
-                      <a:rPr lang="en-US" sz="3500" b="1" i="1"/>
+                      <a:rPr lang="en-US" sz="3500" b="1" i="1">
+                        <a:latin typeface="Cambria Math" panose="02040503050406030204" pitchFamily="18" charset="0"/>
+                      </a:rPr>
                       <m:t>𝟗𝟓𝟖𝟏𝟏𝟒</m:t>
                     </m:r>
                     <m:r>
-                      <a:rPr lang="en-US" sz="3500" b="1" i="1"/>
+                      <a:rPr lang="en-US" sz="3500" b="1" i="1">
+                        <a:latin typeface="Cambria Math" panose="02040503050406030204" pitchFamily="18" charset="0"/>
+                      </a:rPr>
                       <m:t>…</m:t>
                     </m:r>
                   </m:oMath>
@@ -6048,7 +6642,7 @@
             </p:txBody>
           </p:sp>
         </mc:Choice>
-        <mc:Fallback>
+        <mc:Fallback xmlns="">
           <p:sp>
             <p:nvSpPr>
               <p:cNvPr id="3" name="Content Placeholder 2"/>
@@ -6090,176 +6684,6 @@
     <p:extLst>
       <p:ext uri="{BB962C8B-B14F-4D97-AF65-F5344CB8AC3E}">
         <p14:creationId xmlns:p14="http://schemas.microsoft.com/office/powerpoint/2010/main" val="4222576328"/>
-      </p:ext>
-    </p:extLst>
-  </p:cSld>
-  <p:clrMapOvr>
-    <a:masterClrMapping/>
-  </p:clrMapOvr>
-</p:sld>
-</file>
-
-<file path=ppt/slides/slide9.xml><?xml version="1.0" encoding="utf-8"?>
-<p:sld xmlns:a="http://schemas.openxmlformats.org/drawingml/2006/main" xmlns:r="http://schemas.openxmlformats.org/officeDocument/2006/relationships" xmlns:p="http://schemas.openxmlformats.org/presentationml/2006/main">
-  <p:cSld>
-    <p:spTree>
-      <p:nvGrpSpPr>
-        <p:cNvPr id="1" name=""/>
-        <p:cNvGrpSpPr/>
-        <p:nvPr/>
-      </p:nvGrpSpPr>
-      <p:grpSpPr>
-        <a:xfrm>
-          <a:off x="0" y="0"/>
-          <a:ext cx="0" cy="0"/>
-          <a:chOff x="0" y="0"/>
-          <a:chExt cx="0" cy="0"/>
-        </a:xfrm>
-      </p:grpSpPr>
-      <p:sp>
-        <p:nvSpPr>
-          <p:cNvPr id="2" name="Title 1"/>
-          <p:cNvSpPr>
-            <a:spLocks noGrp="1"/>
-          </p:cNvSpPr>
-          <p:nvPr>
-            <p:ph type="title"/>
-          </p:nvPr>
-        </p:nvSpPr>
-        <p:spPr/>
-        <p:txBody>
-          <a:bodyPr/>
-          <a:lstStyle/>
-          <a:p>
-            <a:r>
-              <a:rPr lang="en-US" dirty="0" smtClean="0"/>
-              <a:t>Compare the data:</a:t>
-            </a:r>
-            <a:endParaRPr lang="en-US" dirty="0"/>
-          </a:p>
-        </p:txBody>
-      </p:sp>
-      <p:sp>
-        <p:nvSpPr>
-          <p:cNvPr id="3" name="Content Placeholder 2"/>
-          <p:cNvSpPr>
-            <a:spLocks noGrp="1"/>
-          </p:cNvSpPr>
-          <p:nvPr>
-            <p:ph idx="1"/>
-          </p:nvPr>
-        </p:nvSpPr>
-        <p:spPr>
-          <a:xfrm>
-            <a:off x="1371600" y="2214796"/>
-            <a:ext cx="9601200" cy="4643203"/>
-          </a:xfrm>
-        </p:spPr>
-        <p:txBody>
-          <a:bodyPr>
-            <a:normAutofit lnSpcReduction="10000"/>
-          </a:bodyPr>
-          <a:lstStyle/>
-          <a:p>
-            <a:pPr marL="0" indent="0" algn="ctr">
-              <a:buNone/>
-            </a:pPr>
-            <a:r>
-              <a:rPr lang="en-US" sz="3900" b="1" u="sng" dirty="0"/>
-              <a:t>-</a:t>
-            </a:r>
-            <a:r>
-              <a:rPr lang="en-US" sz="3900" b="1" u="sng" dirty="0" smtClean="0"/>
-              <a:t>3SD		-2SD		-</a:t>
-            </a:r>
-            <a:r>
-              <a:rPr lang="en-US" sz="3900" b="1" u="sng" dirty="0"/>
-              <a:t>1SD</a:t>
-            </a:r>
-            <a:r>
-              <a:rPr lang="en-US" sz="3900" dirty="0"/>
-              <a:t>		</a:t>
-            </a:r>
-            <a:r>
-              <a:rPr lang="en-US" sz="3900" dirty="0" smtClean="0"/>
-              <a:t>     </a:t>
-            </a:r>
-            <a:br>
-              <a:rPr lang="en-US" sz="3900" dirty="0" smtClean="0"/>
-            </a:br>
-            <a:r>
-              <a:rPr lang="en-US" sz="3900" dirty="0" smtClean="0"/>
-              <a:t>   0.486		   4.084		   8.042</a:t>
-            </a:r>
-            <a:r>
-              <a:rPr lang="en-US" sz="3900" dirty="0"/>
-              <a:t>		  		</a:t>
-            </a:r>
-            <a:r>
-              <a:rPr lang="en-US" sz="3900" dirty="0" smtClean="0"/>
-              <a:t/>
-            </a:r>
-            <a:br>
-              <a:rPr lang="en-US" sz="3900" dirty="0" smtClean="0"/>
-            </a:br>
-            <a:r>
-              <a:rPr lang="en-US" sz="3900" b="1" dirty="0" smtClean="0"/>
-              <a:t>Mean</a:t>
-            </a:r>
-          </a:p>
-          <a:p>
-            <a:pPr marL="0" indent="0" algn="ctr">
-              <a:buNone/>
-            </a:pPr>
-            <a:r>
-              <a:rPr lang="en-US" sz="3900" b="1" dirty="0" smtClean="0"/>
-              <a:t>12</a:t>
-            </a:r>
-            <a:r>
-              <a:rPr lang="en-US" sz="3900" dirty="0" smtClean="0"/>
-              <a:t/>
-            </a:r>
-            <a:br>
-              <a:rPr lang="en-US" sz="3900" dirty="0" smtClean="0"/>
-            </a:br>
-            <a:r>
-              <a:rPr lang="en-US" sz="3900" b="1" dirty="0" smtClean="0"/>
-              <a:t/>
-            </a:r>
-            <a:br>
-              <a:rPr lang="en-US" sz="3900" b="1" dirty="0" smtClean="0"/>
-            </a:br>
-            <a:r>
-              <a:rPr lang="en-US" sz="3900" b="1" u="sng" dirty="0" smtClean="0"/>
-              <a:t>+1SD		+2SD		+</a:t>
-            </a:r>
-            <a:r>
-              <a:rPr lang="en-US" sz="3900" b="1" u="sng" dirty="0"/>
-              <a:t>3SD</a:t>
-            </a:r>
-          </a:p>
-          <a:p>
-            <a:pPr marL="0" indent="0" algn="ctr">
-              <a:buNone/>
-            </a:pPr>
-            <a:r>
-              <a:rPr lang="en-US" sz="3900" dirty="0" smtClean="0"/>
-              <a:t>15.958		19.916		23.514</a:t>
-            </a:r>
-            <a:endParaRPr lang="en-US" sz="3900" dirty="0"/>
-          </a:p>
-          <a:p>
-            <a:pPr marL="0" indent="0">
-              <a:buNone/>
-            </a:pPr>
-            <a:endParaRPr lang="en-US" dirty="0"/>
-          </a:p>
-        </p:txBody>
-      </p:sp>
-    </p:spTree>
-    <p:extLst>
-      <p:ext uri="{BB962C8B-B14F-4D97-AF65-F5344CB8AC3E}">
-        <p14:creationId xmlns:p14="http://schemas.microsoft.com/office/powerpoint/2010/main" val="3475579512"/>
       </p:ext>
     </p:extLst>
   </p:cSld>

--- a/_PowerPoints/2nd Semester/Unit 8 Stats [and  Probability]/Algebra4_Day_067 11.7 Standard Deviation.pptx
+++ b/_PowerPoints/2nd Semester/Unit 8 Stats [and  Probability]/Algebra4_Day_067 11.7 Standard Deviation.pptx
@@ -208,7 +208,7 @@
           <a:p>
             <a:fld id="{FAC4242D-6570-4D26-878C-5DE8AD62D39F}" type="datetimeFigureOut">
               <a:rPr lang="en-US" smtClean="0"/>
-              <a:t>4/5/2018</a:t>
+              <a:t>4/6/2018</a:t>
             </a:fld>
             <a:endParaRPr lang="en-US"/>
           </a:p>
@@ -461,7 +461,7 @@
             <a:fld id="{87DE6118-2437-4B30-8E3C-4D2BE6020583}" type="datetimeFigureOut">
               <a:rPr lang="en-US" dirty="0"/>
               <a:pPr/>
-              <a:t>4/5/2018</a:t>
+              <a:t>4/6/2018</a:t>
             </a:fld>
             <a:endParaRPr lang="en-US" dirty="0"/>
           </a:p>
@@ -787,7 +787,7 @@
           <a:p>
             <a:fld id="{87DE6118-2437-4B30-8E3C-4D2BE6020583}" type="datetimeFigureOut">
               <a:rPr lang="en-US" dirty="0"/>
-              <a:t>4/5/2018</a:t>
+              <a:t>4/6/2018</a:t>
             </a:fld>
             <a:endParaRPr lang="en-US" dirty="0"/>
           </a:p>
@@ -962,7 +962,7 @@
           <a:p>
             <a:fld id="{87DE6118-2437-4B30-8E3C-4D2BE6020583}" type="datetimeFigureOut">
               <a:rPr lang="en-US" dirty="0"/>
-              <a:t>4/5/2018</a:t>
+              <a:t>4/6/2018</a:t>
             </a:fld>
             <a:endParaRPr lang="en-US" dirty="0"/>
           </a:p>
@@ -1127,7 +1127,7 @@
           <a:p>
             <a:fld id="{87DE6118-2437-4B30-8E3C-4D2BE6020583}" type="datetimeFigureOut">
               <a:rPr lang="en-US" dirty="0"/>
-              <a:t>4/5/2018</a:t>
+              <a:t>4/6/2018</a:t>
             </a:fld>
             <a:endParaRPr lang="en-US" dirty="0"/>
           </a:p>
@@ -1400,7 +1400,7 @@
             <a:fld id="{87DE6118-2437-4B30-8E3C-4D2BE6020583}" type="datetimeFigureOut">
               <a:rPr lang="en-US" dirty="0"/>
               <a:pPr/>
-              <a:t>4/5/2018</a:t>
+              <a:t>4/6/2018</a:t>
             </a:fld>
             <a:endParaRPr lang="en-US" dirty="0"/>
           </a:p>
@@ -1790,7 +1790,7 @@
           <a:p>
             <a:fld id="{87DE6118-2437-4B30-8E3C-4D2BE6020583}" type="datetimeFigureOut">
               <a:rPr lang="en-US" dirty="0"/>
-              <a:t>4/5/2018</a:t>
+              <a:t>4/6/2018</a:t>
             </a:fld>
             <a:endParaRPr lang="en-US" dirty="0"/>
           </a:p>
@@ -2262,7 +2262,7 @@
           <a:p>
             <a:fld id="{87DE6118-2437-4B30-8E3C-4D2BE6020583}" type="datetimeFigureOut">
               <a:rPr lang="en-US" dirty="0"/>
-              <a:t>4/5/2018</a:t>
+              <a:t>4/6/2018</a:t>
             </a:fld>
             <a:endParaRPr lang="en-US" dirty="0"/>
           </a:p>
@@ -2375,7 +2375,7 @@
           <a:p>
             <a:fld id="{87DE6118-2437-4B30-8E3C-4D2BE6020583}" type="datetimeFigureOut">
               <a:rPr lang="en-US" dirty="0"/>
-              <a:t>4/5/2018</a:t>
+              <a:t>4/6/2018</a:t>
             </a:fld>
             <a:endParaRPr lang="en-US" dirty="0"/>
           </a:p>
@@ -2465,7 +2465,7 @@
           <a:p>
             <a:fld id="{87DE6118-2437-4B30-8E3C-4D2BE6020583}" type="datetimeFigureOut">
               <a:rPr lang="en-US" dirty="0"/>
-              <a:t>4/5/2018</a:t>
+              <a:t>4/6/2018</a:t>
             </a:fld>
             <a:endParaRPr lang="en-US" dirty="0"/>
           </a:p>
@@ -2807,7 +2807,7 @@
             <a:fld id="{87DE6118-2437-4B30-8E3C-4D2BE6020583}" type="datetimeFigureOut">
               <a:rPr lang="en-US" dirty="0"/>
               <a:pPr/>
-              <a:t>4/5/2018</a:t>
+              <a:t>4/6/2018</a:t>
             </a:fld>
             <a:endParaRPr lang="en-US" dirty="0"/>
           </a:p>
@@ -3192,7 +3192,7 @@
             <a:fld id="{87DE6118-2437-4B30-8E3C-4D2BE6020583}" type="datetimeFigureOut">
               <a:rPr lang="en-US" dirty="0"/>
               <a:pPr/>
-              <a:t>4/5/2018</a:t>
+              <a:t>4/6/2018</a:t>
             </a:fld>
             <a:endParaRPr lang="en-US" dirty="0"/>
           </a:p>
@@ -3467,7 +3467,7 @@
             <a:fld id="{87DE6118-2437-4B30-8E3C-4D2BE6020583}" type="datetimeFigureOut">
               <a:rPr lang="en-US" dirty="0"/>
               <a:pPr/>
-              <a:t>4/5/2018</a:t>
+              <a:t>4/6/2018</a:t>
             </a:fld>
             <a:endParaRPr lang="en-US" dirty="0"/>
           </a:p>
@@ -3991,17 +3991,10 @@
           <a:lstStyle/>
           <a:p>
             <a:r>
-              <a:rPr lang="en-US" dirty="0"/>
-              <a:t>Pre-</a:t>
-            </a:r>
-            <a:r>
-              <a:rPr lang="en-US" dirty="0" err="1"/>
-              <a:t>Calc</a:t>
-            </a:r>
-            <a:r>
-              <a:rPr lang="en-US" dirty="0"/>
-              <a:t> &amp; trig</a:t>
-            </a:r>
+              <a:rPr lang="en-US" smtClean="0"/>
+              <a:t>Algebra 4</a:t>
+            </a:r>
+            <a:endParaRPr lang="en-US" dirty="0"/>
           </a:p>
         </p:txBody>
       </p:sp>
@@ -4123,23 +4116,7 @@
             </a:r>
             <a:r>
               <a:rPr lang="en-US" sz="3900" b="1" u="sng" dirty="0" smtClean="0"/>
-              <a:t>-</a:t>
-            </a:r>
-            <a:r>
-              <a:rPr lang="en-US" sz="3900" b="1" u="sng" dirty="0" smtClean="0"/>
-              <a:t>3SD		</a:t>
-            </a:r>
-            <a:r>
-              <a:rPr lang="en-US" sz="3900" b="1" u="sng" dirty="0" smtClean="0"/>
-              <a:t>        -</a:t>
-            </a:r>
-            <a:r>
-              <a:rPr lang="en-US" sz="3900" b="1" u="sng" dirty="0" smtClean="0"/>
-              <a:t>2SD	</a:t>
-            </a:r>
-            <a:r>
-              <a:rPr lang="en-US" sz="3900" b="1" u="sng" dirty="0" smtClean="0"/>
-              <a:t>        -</a:t>
+              <a:t>-3SD		        -2SD	        -</a:t>
             </a:r>
             <a:r>
               <a:rPr lang="en-US" sz="3900" b="1" u="sng" dirty="0"/>
@@ -4158,27 +4135,7 @@
             </a:br>
             <a:r>
               <a:rPr lang="en-US" sz="3900" dirty="0" smtClean="0"/>
-              <a:t>   </a:t>
-            </a:r>
-            <a:r>
-              <a:rPr lang="en-US" sz="3900" dirty="0" smtClean="0"/>
-              <a:t>   0.486</a:t>
-            </a:r>
-            <a:r>
-              <a:rPr lang="en-US" sz="3900" dirty="0" smtClean="0"/>
-              <a:t>		</a:t>
-            </a:r>
-            <a:r>
-              <a:rPr lang="en-US" sz="3900" dirty="0" smtClean="0"/>
-              <a:t>4.084</a:t>
-            </a:r>
-            <a:r>
-              <a:rPr lang="en-US" sz="3900" dirty="0" smtClean="0"/>
-              <a:t>		</a:t>
-            </a:r>
-            <a:r>
-              <a:rPr lang="en-US" sz="3900" dirty="0" smtClean="0"/>
-              <a:t>8.042</a:t>
+              <a:t>      0.486		4.084		8.042</a:t>
             </a:r>
             <a:r>
               <a:rPr lang="en-US" sz="3900" dirty="0"/>
@@ -4220,11 +4177,7 @@
             </a:br>
             <a:r>
               <a:rPr lang="en-US" sz="3900" b="1" u="sng" dirty="0" smtClean="0"/>
-              <a:t>+</a:t>
-            </a:r>
-            <a:r>
-              <a:rPr lang="en-US" sz="3900" b="1" u="sng" dirty="0" smtClean="0"/>
-              <a:t>1SD		+2SD		+</a:t>
+              <a:t>+1SD		+2SD		+</a:t>
             </a:r>
             <a:r>
               <a:rPr lang="en-US" sz="3900" b="1" u="sng" dirty="0"/>
@@ -5484,8 +5437,8 @@
           </a:p>
         </p:txBody>
       </p:sp>
-      <mc:AlternateContent xmlns:mc="http://schemas.openxmlformats.org/markup-compatibility/2006">
-        <mc:Choice xmlns:a14="http://schemas.microsoft.com/office/drawing/2010/main" Requires="a14">
+      <mc:AlternateContent xmlns:mc="http://schemas.openxmlformats.org/markup-compatibility/2006" xmlns:a14="http://schemas.microsoft.com/office/drawing/2010/main">
+        <mc:Choice Requires="a14">
           <p:sp>
             <p:nvSpPr>
               <p:cNvPr id="3" name="Content Placeholder 2"/>
@@ -5513,11 +5466,7 @@
                 </a:pPr>
                 <a:r>
                   <a:rPr lang="en-US" sz="3000" dirty="0" smtClean="0"/>
-                  <a:t>1. Find the mean of the values in the data </a:t>
-                </a:r>
-                <a:r>
-                  <a:rPr lang="en-US" sz="3000" dirty="0" smtClean="0"/>
-                  <a:t>set </a:t>
+                  <a:t>1. Find the mean of the values in the data set </a:t>
                 </a:r>
                 <a:r>
                   <a:rPr lang="en-US" sz="3000" dirty="0" smtClean="0">
@@ -5740,7 +5689,7 @@
             </p:txBody>
           </p:sp>
         </mc:Choice>
-        <mc:Fallback>
+        <mc:Fallback xmlns="">
           <p:sp>
             <p:nvSpPr>
               <p:cNvPr id="3" name="Content Placeholder 2"/>
